--- a/hw02.pptx
+++ b/hw02.pptx
@@ -4,8 +4,18 @@
   <p:sldMasterIdLst>
     <p:sldMasterId id="2147483648" r:id="rId1"/>
   </p:sldMasterIdLst>
+  <p:notesMasterIdLst>
+    <p:notesMasterId r:id="rId10"/>
+  </p:notesMasterIdLst>
   <p:sldIdLst>
-    <p:sldId id="256" r:id="rId2"/>
+    <p:sldId id="259" r:id="rId2"/>
+    <p:sldId id="258" r:id="rId3"/>
+    <p:sldId id="261" r:id="rId4"/>
+    <p:sldId id="262" r:id="rId5"/>
+    <p:sldId id="263" r:id="rId6"/>
+    <p:sldId id="264" r:id="rId7"/>
+    <p:sldId id="265" r:id="rId8"/>
+    <p:sldId id="266" r:id="rId9"/>
   </p:sldIdLst>
   <p:sldSz cx="12192000" cy="6858000"/>
   <p:notesSz cx="6858000" cy="9144000"/>
@@ -104,7 +114,1098 @@
       </a:defRPr>
     </a:lvl9pPr>
   </p:defaultTextStyle>
+  <p:extLst>
+    <p:ext uri="{EFAFB233-063F-42B5-8137-9DF3F51BA10A}">
+      <p15:sldGuideLst xmlns:p15="http://schemas.microsoft.com/office/powerpoint/2012/main"/>
+    </p:ext>
+  </p:extLst>
 </p:presentation>
+</file>
+
+<file path=ppt/notesMasters/notesMaster1.xml><?xml version="1.0" encoding="utf-8"?>
+<p:notesMaster xmlns:a="http://schemas.openxmlformats.org/drawingml/2006/main" xmlns:r="http://schemas.openxmlformats.org/officeDocument/2006/relationships" xmlns:p="http://schemas.openxmlformats.org/presentationml/2006/main">
+  <p:cSld>
+    <p:bg>
+      <p:bgRef idx="1001">
+        <a:schemeClr val="bg1"/>
+      </p:bgRef>
+    </p:bg>
+    <p:spTree>
+      <p:nvGrpSpPr>
+        <p:cNvPr id="1" name=""/>
+        <p:cNvGrpSpPr/>
+        <p:nvPr/>
+      </p:nvGrpSpPr>
+      <p:grpSpPr>
+        <a:xfrm>
+          <a:off x="0" y="0"/>
+          <a:ext cx="0" cy="0"/>
+          <a:chOff x="0" y="0"/>
+          <a:chExt cx="0" cy="0"/>
+        </a:xfrm>
+      </p:grpSpPr>
+      <p:sp>
+        <p:nvSpPr>
+          <p:cNvPr id="2" name="頁首版面配置區 1"/>
+          <p:cNvSpPr>
+            <a:spLocks noGrp="1"/>
+          </p:cNvSpPr>
+          <p:nvPr>
+            <p:ph type="hdr" sz="quarter"/>
+          </p:nvPr>
+        </p:nvSpPr>
+        <p:spPr>
+          <a:xfrm>
+            <a:off x="0" y="0"/>
+            <a:ext cx="2971800" cy="458788"/>
+          </a:xfrm>
+          <a:prstGeom prst="rect">
+            <a:avLst/>
+          </a:prstGeom>
+        </p:spPr>
+        <p:txBody>
+          <a:bodyPr vert="horz" lIns="91440" tIns="45720" rIns="91440" bIns="45720" rtlCol="0"/>
+          <a:lstStyle>
+            <a:lvl1pPr algn="l">
+              <a:defRPr sz="1200"/>
+            </a:lvl1pPr>
+          </a:lstStyle>
+          <a:p>
+            <a:endParaRPr lang="zh-TW" altLang="en-US"/>
+          </a:p>
+        </p:txBody>
+      </p:sp>
+      <p:sp>
+        <p:nvSpPr>
+          <p:cNvPr id="3" name="日期版面配置區 2"/>
+          <p:cNvSpPr>
+            <a:spLocks noGrp="1"/>
+          </p:cNvSpPr>
+          <p:nvPr>
+            <p:ph type="dt" idx="1"/>
+          </p:nvPr>
+        </p:nvSpPr>
+        <p:spPr>
+          <a:xfrm>
+            <a:off x="3884613" y="0"/>
+            <a:ext cx="2971800" cy="458788"/>
+          </a:xfrm>
+          <a:prstGeom prst="rect">
+            <a:avLst/>
+          </a:prstGeom>
+        </p:spPr>
+        <p:txBody>
+          <a:bodyPr vert="horz" lIns="91440" tIns="45720" rIns="91440" bIns="45720" rtlCol="0"/>
+          <a:lstStyle>
+            <a:lvl1pPr algn="r">
+              <a:defRPr sz="1200"/>
+            </a:lvl1pPr>
+          </a:lstStyle>
+          <a:p>
+            <a:fld id="{B7DEED66-9D18-4924-8E25-A1638B31A585}" type="datetimeFigureOut">
+              <a:rPr lang="zh-TW" altLang="en-US" smtClean="0"/>
+              <a:t>2024/10/31</a:t>
+            </a:fld>
+            <a:endParaRPr lang="zh-TW" altLang="en-US"/>
+          </a:p>
+        </p:txBody>
+      </p:sp>
+      <p:sp>
+        <p:nvSpPr>
+          <p:cNvPr id="4" name="投影片影像版面配置區 3"/>
+          <p:cNvSpPr>
+            <a:spLocks noGrp="1" noRot="1" noChangeAspect="1"/>
+          </p:cNvSpPr>
+          <p:nvPr>
+            <p:ph type="sldImg" idx="2"/>
+          </p:nvPr>
+        </p:nvSpPr>
+        <p:spPr>
+          <a:xfrm>
+            <a:off x="685800" y="1143000"/>
+            <a:ext cx="5486400" cy="3086100"/>
+          </a:xfrm>
+          <a:prstGeom prst="rect">
+            <a:avLst/>
+          </a:prstGeom>
+          <a:noFill/>
+          <a:ln w="12700">
+            <a:solidFill>
+              <a:prstClr val="black"/>
+            </a:solidFill>
+          </a:ln>
+        </p:spPr>
+        <p:txBody>
+          <a:bodyPr vert="horz" lIns="91440" tIns="45720" rIns="91440" bIns="45720" rtlCol="0" anchor="ctr"/>
+          <a:lstStyle/>
+          <a:p>
+            <a:endParaRPr lang="zh-TW" altLang="en-US"/>
+          </a:p>
+        </p:txBody>
+      </p:sp>
+      <p:sp>
+        <p:nvSpPr>
+          <p:cNvPr id="5" name="備忘稿版面配置區 4"/>
+          <p:cNvSpPr>
+            <a:spLocks noGrp="1"/>
+          </p:cNvSpPr>
+          <p:nvPr>
+            <p:ph type="body" sz="quarter" idx="3"/>
+          </p:nvPr>
+        </p:nvSpPr>
+        <p:spPr>
+          <a:xfrm>
+            <a:off x="685800" y="4400550"/>
+            <a:ext cx="5486400" cy="3600450"/>
+          </a:xfrm>
+          <a:prstGeom prst="rect">
+            <a:avLst/>
+          </a:prstGeom>
+        </p:spPr>
+        <p:txBody>
+          <a:bodyPr vert="horz" lIns="91440" tIns="45720" rIns="91440" bIns="45720" rtlCol="0"/>
+          <a:lstStyle/>
+          <a:p>
+            <a:pPr lvl="0"/>
+            <a:r>
+              <a:rPr lang="zh-TW" altLang="en-US"/>
+              <a:t>按一下以編輯母片文字樣式</a:t>
+            </a:r>
+          </a:p>
+          <a:p>
+            <a:pPr lvl="1"/>
+            <a:r>
+              <a:rPr lang="zh-TW" altLang="en-US"/>
+              <a:t>第二層</a:t>
+            </a:r>
+          </a:p>
+          <a:p>
+            <a:pPr lvl="2"/>
+            <a:r>
+              <a:rPr lang="zh-TW" altLang="en-US"/>
+              <a:t>第三層</a:t>
+            </a:r>
+          </a:p>
+          <a:p>
+            <a:pPr lvl="3"/>
+            <a:r>
+              <a:rPr lang="zh-TW" altLang="en-US"/>
+              <a:t>第四層</a:t>
+            </a:r>
+          </a:p>
+          <a:p>
+            <a:pPr lvl="4"/>
+            <a:r>
+              <a:rPr lang="zh-TW" altLang="en-US"/>
+              <a:t>第五層</a:t>
+            </a:r>
+          </a:p>
+        </p:txBody>
+      </p:sp>
+      <p:sp>
+        <p:nvSpPr>
+          <p:cNvPr id="6" name="頁尾版面配置區 5"/>
+          <p:cNvSpPr>
+            <a:spLocks noGrp="1"/>
+          </p:cNvSpPr>
+          <p:nvPr>
+            <p:ph type="ftr" sz="quarter" idx="4"/>
+          </p:nvPr>
+        </p:nvSpPr>
+        <p:spPr>
+          <a:xfrm>
+            <a:off x="0" y="8685213"/>
+            <a:ext cx="2971800" cy="458787"/>
+          </a:xfrm>
+          <a:prstGeom prst="rect">
+            <a:avLst/>
+          </a:prstGeom>
+        </p:spPr>
+        <p:txBody>
+          <a:bodyPr vert="horz" lIns="91440" tIns="45720" rIns="91440" bIns="45720" rtlCol="0" anchor="b"/>
+          <a:lstStyle>
+            <a:lvl1pPr algn="l">
+              <a:defRPr sz="1200"/>
+            </a:lvl1pPr>
+          </a:lstStyle>
+          <a:p>
+            <a:endParaRPr lang="zh-TW" altLang="en-US"/>
+          </a:p>
+        </p:txBody>
+      </p:sp>
+      <p:sp>
+        <p:nvSpPr>
+          <p:cNvPr id="7" name="投影片編號版面配置區 6"/>
+          <p:cNvSpPr>
+            <a:spLocks noGrp="1"/>
+          </p:cNvSpPr>
+          <p:nvPr>
+            <p:ph type="sldNum" sz="quarter" idx="5"/>
+          </p:nvPr>
+        </p:nvSpPr>
+        <p:spPr>
+          <a:xfrm>
+            <a:off x="3884613" y="8685213"/>
+            <a:ext cx="2971800" cy="458787"/>
+          </a:xfrm>
+          <a:prstGeom prst="rect">
+            <a:avLst/>
+          </a:prstGeom>
+        </p:spPr>
+        <p:txBody>
+          <a:bodyPr vert="horz" lIns="91440" tIns="45720" rIns="91440" bIns="45720" rtlCol="0" anchor="b"/>
+          <a:lstStyle>
+            <a:lvl1pPr algn="r">
+              <a:defRPr sz="1200"/>
+            </a:lvl1pPr>
+          </a:lstStyle>
+          <a:p>
+            <a:fld id="{343335AA-DA19-42D4-B920-C4CE88939F4D}" type="slidenum">
+              <a:rPr lang="zh-TW" altLang="en-US" smtClean="0"/>
+              <a:t>‹#›</a:t>
+            </a:fld>
+            <a:endParaRPr lang="zh-TW" altLang="en-US"/>
+          </a:p>
+        </p:txBody>
+      </p:sp>
+    </p:spTree>
+    <p:extLst>
+      <p:ext uri="{BB962C8B-B14F-4D97-AF65-F5344CB8AC3E}">
+        <p14:creationId xmlns:p14="http://schemas.microsoft.com/office/powerpoint/2010/main" val="1225043470"/>
+      </p:ext>
+    </p:extLst>
+  </p:cSld>
+  <p:clrMap bg1="lt1" tx1="dk1" bg2="lt2" tx2="dk2" accent1="accent1" accent2="accent2" accent3="accent3" accent4="accent4" accent5="accent5" accent6="accent6" hlink="hlink" folHlink="folHlink"/>
+  <p:notesStyle>
+    <a:lvl1pPr marL="0" algn="l" defTabSz="914400" rtl="0" eaLnBrk="1" latinLnBrk="0" hangingPunct="1">
+      <a:defRPr sz="1200" kern="1200">
+        <a:solidFill>
+          <a:schemeClr val="tx1"/>
+        </a:solidFill>
+        <a:latin typeface="+mn-lt"/>
+        <a:ea typeface="+mn-ea"/>
+        <a:cs typeface="+mn-cs"/>
+      </a:defRPr>
+    </a:lvl1pPr>
+    <a:lvl2pPr marL="457200" algn="l" defTabSz="914400" rtl="0" eaLnBrk="1" latinLnBrk="0" hangingPunct="1">
+      <a:defRPr sz="1200" kern="1200">
+        <a:solidFill>
+          <a:schemeClr val="tx1"/>
+        </a:solidFill>
+        <a:latin typeface="+mn-lt"/>
+        <a:ea typeface="+mn-ea"/>
+        <a:cs typeface="+mn-cs"/>
+      </a:defRPr>
+    </a:lvl2pPr>
+    <a:lvl3pPr marL="914400" algn="l" defTabSz="914400" rtl="0" eaLnBrk="1" latinLnBrk="0" hangingPunct="1">
+      <a:defRPr sz="1200" kern="1200">
+        <a:solidFill>
+          <a:schemeClr val="tx1"/>
+        </a:solidFill>
+        <a:latin typeface="+mn-lt"/>
+        <a:ea typeface="+mn-ea"/>
+        <a:cs typeface="+mn-cs"/>
+      </a:defRPr>
+    </a:lvl3pPr>
+    <a:lvl4pPr marL="1371600" algn="l" defTabSz="914400" rtl="0" eaLnBrk="1" latinLnBrk="0" hangingPunct="1">
+      <a:defRPr sz="1200" kern="1200">
+        <a:solidFill>
+          <a:schemeClr val="tx1"/>
+        </a:solidFill>
+        <a:latin typeface="+mn-lt"/>
+        <a:ea typeface="+mn-ea"/>
+        <a:cs typeface="+mn-cs"/>
+      </a:defRPr>
+    </a:lvl4pPr>
+    <a:lvl5pPr marL="1828800" algn="l" defTabSz="914400" rtl="0" eaLnBrk="1" latinLnBrk="0" hangingPunct="1">
+      <a:defRPr sz="1200" kern="1200">
+        <a:solidFill>
+          <a:schemeClr val="tx1"/>
+        </a:solidFill>
+        <a:latin typeface="+mn-lt"/>
+        <a:ea typeface="+mn-ea"/>
+        <a:cs typeface="+mn-cs"/>
+      </a:defRPr>
+    </a:lvl5pPr>
+    <a:lvl6pPr marL="2286000" algn="l" defTabSz="914400" rtl="0" eaLnBrk="1" latinLnBrk="0" hangingPunct="1">
+      <a:defRPr sz="1200" kern="1200">
+        <a:solidFill>
+          <a:schemeClr val="tx1"/>
+        </a:solidFill>
+        <a:latin typeface="+mn-lt"/>
+        <a:ea typeface="+mn-ea"/>
+        <a:cs typeface="+mn-cs"/>
+      </a:defRPr>
+    </a:lvl6pPr>
+    <a:lvl7pPr marL="2743200" algn="l" defTabSz="914400" rtl="0" eaLnBrk="1" latinLnBrk="0" hangingPunct="1">
+      <a:defRPr sz="1200" kern="1200">
+        <a:solidFill>
+          <a:schemeClr val="tx1"/>
+        </a:solidFill>
+        <a:latin typeface="+mn-lt"/>
+        <a:ea typeface="+mn-ea"/>
+        <a:cs typeface="+mn-cs"/>
+      </a:defRPr>
+    </a:lvl7pPr>
+    <a:lvl8pPr marL="3200400" algn="l" defTabSz="914400" rtl="0" eaLnBrk="1" latinLnBrk="0" hangingPunct="1">
+      <a:defRPr sz="1200" kern="1200">
+        <a:solidFill>
+          <a:schemeClr val="tx1"/>
+        </a:solidFill>
+        <a:latin typeface="+mn-lt"/>
+        <a:ea typeface="+mn-ea"/>
+        <a:cs typeface="+mn-cs"/>
+      </a:defRPr>
+    </a:lvl8pPr>
+    <a:lvl9pPr marL="3657600" algn="l" defTabSz="914400" rtl="0" eaLnBrk="1" latinLnBrk="0" hangingPunct="1">
+      <a:defRPr sz="1200" kern="1200">
+        <a:solidFill>
+          <a:schemeClr val="tx1"/>
+        </a:solidFill>
+        <a:latin typeface="+mn-lt"/>
+        <a:ea typeface="+mn-ea"/>
+        <a:cs typeface="+mn-cs"/>
+      </a:defRPr>
+    </a:lvl9pPr>
+  </p:notesStyle>
+</p:notesMaster>
+</file>
+
+<file path=ppt/notesSlides/notesSlide1.xml><?xml version="1.0" encoding="utf-8"?>
+<p:notes xmlns:a="http://schemas.openxmlformats.org/drawingml/2006/main" xmlns:r="http://schemas.openxmlformats.org/officeDocument/2006/relationships" xmlns:p="http://schemas.openxmlformats.org/presentationml/2006/main">
+  <p:cSld>
+    <p:spTree>
+      <p:nvGrpSpPr>
+        <p:cNvPr id="1" name=""/>
+        <p:cNvGrpSpPr/>
+        <p:nvPr/>
+      </p:nvGrpSpPr>
+      <p:grpSpPr>
+        <a:xfrm>
+          <a:off x="0" y="0"/>
+          <a:ext cx="0" cy="0"/>
+          <a:chOff x="0" y="0"/>
+          <a:chExt cx="0" cy="0"/>
+        </a:xfrm>
+      </p:grpSpPr>
+      <p:sp>
+        <p:nvSpPr>
+          <p:cNvPr id="2" name="投影片影像版面配置區 1"/>
+          <p:cNvSpPr>
+            <a:spLocks noGrp="1" noRot="1" noChangeAspect="1"/>
+          </p:cNvSpPr>
+          <p:nvPr>
+            <p:ph type="sldImg"/>
+          </p:nvPr>
+        </p:nvSpPr>
+        <p:spPr/>
+      </p:sp>
+      <p:sp>
+        <p:nvSpPr>
+          <p:cNvPr id="3" name="備忘稿版面配置區 2"/>
+          <p:cNvSpPr>
+            <a:spLocks noGrp="1"/>
+          </p:cNvSpPr>
+          <p:nvPr>
+            <p:ph type="body" idx="1"/>
+          </p:nvPr>
+        </p:nvSpPr>
+        <p:spPr/>
+        <p:txBody>
+          <a:bodyPr/>
+          <a:lstStyle/>
+          <a:p>
+            <a:endParaRPr lang="zh-TW" altLang="en-US" dirty="0"/>
+          </a:p>
+        </p:txBody>
+      </p:sp>
+      <p:sp>
+        <p:nvSpPr>
+          <p:cNvPr id="4" name="投影片編號版面配置區 3"/>
+          <p:cNvSpPr>
+            <a:spLocks noGrp="1"/>
+          </p:cNvSpPr>
+          <p:nvPr>
+            <p:ph type="sldNum" sz="quarter" idx="5"/>
+          </p:nvPr>
+        </p:nvSpPr>
+        <p:spPr/>
+        <p:txBody>
+          <a:bodyPr/>
+          <a:lstStyle/>
+          <a:p>
+            <a:fld id="{5E9D2632-FA84-4A2D-9C87-F92E129849CA}" type="slidenum">
+              <a:rPr lang="zh-TW" altLang="en-US" smtClean="0"/>
+              <a:t>1</a:t>
+            </a:fld>
+            <a:endParaRPr lang="zh-TW" altLang="en-US"/>
+          </a:p>
+        </p:txBody>
+      </p:sp>
+    </p:spTree>
+    <p:extLst>
+      <p:ext uri="{BB962C8B-B14F-4D97-AF65-F5344CB8AC3E}">
+        <p14:creationId xmlns:p14="http://schemas.microsoft.com/office/powerpoint/2010/main" val="4079166559"/>
+      </p:ext>
+    </p:extLst>
+  </p:cSld>
+  <p:clrMapOvr>
+    <a:masterClrMapping/>
+  </p:clrMapOvr>
+</p:notes>
+</file>
+
+<file path=ppt/notesSlides/notesSlide2.xml><?xml version="1.0" encoding="utf-8"?>
+<p:notes xmlns:a="http://schemas.openxmlformats.org/drawingml/2006/main" xmlns:r="http://schemas.openxmlformats.org/officeDocument/2006/relationships" xmlns:p="http://schemas.openxmlformats.org/presentationml/2006/main">
+  <p:cSld>
+    <p:spTree>
+      <p:nvGrpSpPr>
+        <p:cNvPr id="1" name=""/>
+        <p:cNvGrpSpPr/>
+        <p:nvPr/>
+      </p:nvGrpSpPr>
+      <p:grpSpPr>
+        <a:xfrm>
+          <a:off x="0" y="0"/>
+          <a:ext cx="0" cy="0"/>
+          <a:chOff x="0" y="0"/>
+          <a:chExt cx="0" cy="0"/>
+        </a:xfrm>
+      </p:grpSpPr>
+      <p:sp>
+        <p:nvSpPr>
+          <p:cNvPr id="2" name="投影片影像版面配置區 1"/>
+          <p:cNvSpPr>
+            <a:spLocks noGrp="1" noRot="1" noChangeAspect="1"/>
+          </p:cNvSpPr>
+          <p:nvPr>
+            <p:ph type="sldImg"/>
+          </p:nvPr>
+        </p:nvSpPr>
+        <p:spPr/>
+      </p:sp>
+      <p:sp>
+        <p:nvSpPr>
+          <p:cNvPr id="3" name="備忘稿版面配置區 2"/>
+          <p:cNvSpPr>
+            <a:spLocks noGrp="1"/>
+          </p:cNvSpPr>
+          <p:nvPr>
+            <p:ph type="body" idx="1"/>
+          </p:nvPr>
+        </p:nvSpPr>
+        <p:spPr/>
+        <p:txBody>
+          <a:bodyPr/>
+          <a:lstStyle/>
+          <a:p>
+            <a:r>
+              <a:rPr lang="en-US" altLang="zh-TW" dirty="0"/>
+              <a:t>The entrance to a fantasy-style tavern in another world at night, with a warm yellow light glowing above the door. The building has a rustic, enchanted look with wooden details, stone walls, and magical symbols subtly integrated into the design. The scene has a mysterious, inviting atmosphere, with surrounding dark streets and a slight mist, all rendered in Japanese anime style with thick paint and low saturation.</a:t>
+            </a:r>
+          </a:p>
+          <a:p>
+            <a:endParaRPr lang="zh-TW" altLang="en-US" dirty="0">
+              <a:latin typeface="辰宇落雁體 Thin" panose="02000203000000000000" pitchFamily="2" charset="-120"/>
+              <a:ea typeface="辰宇落雁體 Thin" panose="02000203000000000000" pitchFamily="2" charset="-120"/>
+            </a:endParaRPr>
+          </a:p>
+        </p:txBody>
+      </p:sp>
+      <p:sp>
+        <p:nvSpPr>
+          <p:cNvPr id="4" name="投影片編號版面配置區 3"/>
+          <p:cNvSpPr>
+            <a:spLocks noGrp="1"/>
+          </p:cNvSpPr>
+          <p:nvPr>
+            <p:ph type="sldNum" sz="quarter" idx="5"/>
+          </p:nvPr>
+        </p:nvSpPr>
+        <p:spPr/>
+        <p:txBody>
+          <a:bodyPr/>
+          <a:lstStyle/>
+          <a:p>
+            <a:fld id="{5E9D2632-FA84-4A2D-9C87-F92E129849CA}" type="slidenum">
+              <a:rPr lang="zh-TW" altLang="en-US" smtClean="0"/>
+              <a:t>2</a:t>
+            </a:fld>
+            <a:endParaRPr lang="zh-TW" altLang="en-US"/>
+          </a:p>
+        </p:txBody>
+      </p:sp>
+    </p:spTree>
+    <p:extLst>
+      <p:ext uri="{BB962C8B-B14F-4D97-AF65-F5344CB8AC3E}">
+        <p14:creationId xmlns:p14="http://schemas.microsoft.com/office/powerpoint/2010/main" val="1520878075"/>
+      </p:ext>
+    </p:extLst>
+  </p:cSld>
+  <p:clrMapOvr>
+    <a:masterClrMapping/>
+  </p:clrMapOvr>
+</p:notes>
+</file>
+
+<file path=ppt/notesSlides/notesSlide3.xml><?xml version="1.0" encoding="utf-8"?>
+<p:notes xmlns:a="http://schemas.openxmlformats.org/drawingml/2006/main" xmlns:r="http://schemas.openxmlformats.org/officeDocument/2006/relationships" xmlns:p="http://schemas.openxmlformats.org/presentationml/2006/main">
+  <p:cSld>
+    <p:spTree>
+      <p:nvGrpSpPr>
+        <p:cNvPr id="1" name=""/>
+        <p:cNvGrpSpPr/>
+        <p:nvPr/>
+      </p:nvGrpSpPr>
+      <p:grpSpPr>
+        <a:xfrm>
+          <a:off x="0" y="0"/>
+          <a:ext cx="0" cy="0"/>
+          <a:chOff x="0" y="0"/>
+          <a:chExt cx="0" cy="0"/>
+        </a:xfrm>
+      </p:grpSpPr>
+      <p:sp>
+        <p:nvSpPr>
+          <p:cNvPr id="2" name="投影片影像版面配置區 1"/>
+          <p:cNvSpPr>
+            <a:spLocks noGrp="1" noRot="1" noChangeAspect="1"/>
+          </p:cNvSpPr>
+          <p:nvPr>
+            <p:ph type="sldImg"/>
+          </p:nvPr>
+        </p:nvSpPr>
+        <p:spPr/>
+      </p:sp>
+      <p:sp>
+        <p:nvSpPr>
+          <p:cNvPr id="3" name="備忘稿版面配置區 2"/>
+          <p:cNvSpPr>
+            <a:spLocks noGrp="1"/>
+          </p:cNvSpPr>
+          <p:nvPr>
+            <p:ph type="body" idx="1"/>
+          </p:nvPr>
+        </p:nvSpPr>
+        <p:spPr/>
+        <p:txBody>
+          <a:bodyPr/>
+          <a:lstStyle/>
+          <a:p>
+            <a:r>
+              <a:rPr lang="zh-TW" altLang="en-US" dirty="0"/>
+              <a:t>一位女士擁有白色長捲髮，綠色瞳孔，蒼白的肌膚，服飾上有蜘蛛的象徵，他是一個酒保，站在吧檯內置身在異世界的酒吧中，他試圖跟面前的客人講話，但那位客人沒有理他，只是喝著酒，風格是日式動漫風，有點厚塗，彩度較低</a:t>
+            </a:r>
+          </a:p>
+        </p:txBody>
+      </p:sp>
+      <p:sp>
+        <p:nvSpPr>
+          <p:cNvPr id="4" name="投影片編號版面配置區 3"/>
+          <p:cNvSpPr>
+            <a:spLocks noGrp="1"/>
+          </p:cNvSpPr>
+          <p:nvPr>
+            <p:ph type="sldNum" sz="quarter" idx="5"/>
+          </p:nvPr>
+        </p:nvSpPr>
+        <p:spPr/>
+        <p:txBody>
+          <a:bodyPr/>
+          <a:lstStyle/>
+          <a:p>
+            <a:fld id="{5E9D2632-FA84-4A2D-9C87-F92E129849CA}" type="slidenum">
+              <a:rPr lang="zh-TW" altLang="en-US" smtClean="0"/>
+              <a:t>3</a:t>
+            </a:fld>
+            <a:endParaRPr lang="zh-TW" altLang="en-US"/>
+          </a:p>
+        </p:txBody>
+      </p:sp>
+    </p:spTree>
+    <p:extLst>
+      <p:ext uri="{BB962C8B-B14F-4D97-AF65-F5344CB8AC3E}">
+        <p14:creationId xmlns:p14="http://schemas.microsoft.com/office/powerpoint/2010/main" val="2732908965"/>
+      </p:ext>
+    </p:extLst>
+  </p:cSld>
+  <p:clrMapOvr>
+    <a:masterClrMapping/>
+  </p:clrMapOvr>
+</p:notes>
+</file>
+
+<file path=ppt/notesSlides/notesSlide4.xml><?xml version="1.0" encoding="utf-8"?>
+<p:notes xmlns:a="http://schemas.openxmlformats.org/drawingml/2006/main" xmlns:r="http://schemas.openxmlformats.org/officeDocument/2006/relationships" xmlns:p="http://schemas.openxmlformats.org/presentationml/2006/main">
+  <p:cSld>
+    <p:spTree>
+      <p:nvGrpSpPr>
+        <p:cNvPr id="1" name=""/>
+        <p:cNvGrpSpPr/>
+        <p:nvPr/>
+      </p:nvGrpSpPr>
+      <p:grpSpPr>
+        <a:xfrm>
+          <a:off x="0" y="0"/>
+          <a:ext cx="0" cy="0"/>
+          <a:chOff x="0" y="0"/>
+          <a:chExt cx="0" cy="0"/>
+        </a:xfrm>
+      </p:grpSpPr>
+      <p:sp>
+        <p:nvSpPr>
+          <p:cNvPr id="2" name="投影片影像版面配置區 1"/>
+          <p:cNvSpPr>
+            <a:spLocks noGrp="1" noRot="1" noChangeAspect="1"/>
+          </p:cNvSpPr>
+          <p:nvPr>
+            <p:ph type="sldImg"/>
+          </p:nvPr>
+        </p:nvSpPr>
+        <p:spPr/>
+      </p:sp>
+      <p:sp>
+        <p:nvSpPr>
+          <p:cNvPr id="3" name="備忘稿版面配置區 2"/>
+          <p:cNvSpPr>
+            <a:spLocks noGrp="1"/>
+          </p:cNvSpPr>
+          <p:nvPr>
+            <p:ph type="body" idx="1"/>
+          </p:nvPr>
+        </p:nvSpPr>
+        <p:spPr/>
+        <p:txBody>
+          <a:bodyPr/>
+          <a:lstStyle/>
+          <a:p>
+            <a:r>
+              <a:rPr lang="zh-TW" altLang="en-US" dirty="0"/>
+              <a:t>同樣是這位酒保，也是一樣的場景再酒吧中，她正拿著綠色的小瓶液體倒入調酒裡，並且興奮的看著調酒</a:t>
+            </a:r>
+          </a:p>
+          <a:p>
+            <a:endParaRPr lang="zh-TW" altLang="en-US" dirty="0"/>
+          </a:p>
+        </p:txBody>
+      </p:sp>
+      <p:sp>
+        <p:nvSpPr>
+          <p:cNvPr id="4" name="投影片編號版面配置區 3"/>
+          <p:cNvSpPr>
+            <a:spLocks noGrp="1"/>
+          </p:cNvSpPr>
+          <p:nvPr>
+            <p:ph type="sldNum" sz="quarter" idx="5"/>
+          </p:nvPr>
+        </p:nvSpPr>
+        <p:spPr/>
+        <p:txBody>
+          <a:bodyPr/>
+          <a:lstStyle/>
+          <a:p>
+            <a:fld id="{5E9D2632-FA84-4A2D-9C87-F92E129849CA}" type="slidenum">
+              <a:rPr lang="zh-TW" altLang="en-US" smtClean="0"/>
+              <a:t>4</a:t>
+            </a:fld>
+            <a:endParaRPr lang="zh-TW" altLang="en-US"/>
+          </a:p>
+        </p:txBody>
+      </p:sp>
+    </p:spTree>
+    <p:extLst>
+      <p:ext uri="{BB962C8B-B14F-4D97-AF65-F5344CB8AC3E}">
+        <p14:creationId xmlns:p14="http://schemas.microsoft.com/office/powerpoint/2010/main" val="2795830760"/>
+      </p:ext>
+    </p:extLst>
+  </p:cSld>
+  <p:clrMapOvr>
+    <a:masterClrMapping/>
+  </p:clrMapOvr>
+</p:notes>
+</file>
+
+<file path=ppt/notesSlides/notesSlide5.xml><?xml version="1.0" encoding="utf-8"?>
+<p:notes xmlns:a="http://schemas.openxmlformats.org/drawingml/2006/main" xmlns:r="http://schemas.openxmlformats.org/officeDocument/2006/relationships" xmlns:p="http://schemas.openxmlformats.org/presentationml/2006/main">
+  <p:cSld>
+    <p:spTree>
+      <p:nvGrpSpPr>
+        <p:cNvPr id="1" name=""/>
+        <p:cNvGrpSpPr/>
+        <p:nvPr/>
+      </p:nvGrpSpPr>
+      <p:grpSpPr>
+        <a:xfrm>
+          <a:off x="0" y="0"/>
+          <a:ext cx="0" cy="0"/>
+          <a:chOff x="0" y="0"/>
+          <a:chExt cx="0" cy="0"/>
+        </a:xfrm>
+      </p:grpSpPr>
+      <p:sp>
+        <p:nvSpPr>
+          <p:cNvPr id="2" name="投影片影像版面配置區 1"/>
+          <p:cNvSpPr>
+            <a:spLocks noGrp="1" noRot="1" noChangeAspect="1"/>
+          </p:cNvSpPr>
+          <p:nvPr>
+            <p:ph type="sldImg"/>
+          </p:nvPr>
+        </p:nvSpPr>
+        <p:spPr/>
+      </p:sp>
+      <p:sp>
+        <p:nvSpPr>
+          <p:cNvPr id="3" name="備忘稿版面配置區 2"/>
+          <p:cNvSpPr>
+            <a:spLocks noGrp="1"/>
+          </p:cNvSpPr>
+          <p:nvPr>
+            <p:ph type="body" idx="1"/>
+          </p:nvPr>
+        </p:nvSpPr>
+        <p:spPr/>
+        <p:txBody>
+          <a:bodyPr/>
+          <a:lstStyle/>
+          <a:p>
+            <a:r>
+              <a:rPr lang="zh-TW" altLang="en-US" dirty="0"/>
+              <a:t>一位女士擁有白色長捲髮，綠色瞳孔，蒼白的肌膚，服飾上有蜘蛛的象徵，他是一個酒保，站在吧檯內置身在異世界的酒吧中，有點樸實歐式的風格，旁邊有幾位客人在喝酒，看起來酒醉了，酒保看著客人，露出得逞的微笑，動漫風格，酒吧的燈光昏暗，</a:t>
+            </a:r>
+          </a:p>
+        </p:txBody>
+      </p:sp>
+      <p:sp>
+        <p:nvSpPr>
+          <p:cNvPr id="4" name="投影片編號版面配置區 3"/>
+          <p:cNvSpPr>
+            <a:spLocks noGrp="1"/>
+          </p:cNvSpPr>
+          <p:nvPr>
+            <p:ph type="sldNum" sz="quarter" idx="5"/>
+          </p:nvPr>
+        </p:nvSpPr>
+        <p:spPr/>
+        <p:txBody>
+          <a:bodyPr/>
+          <a:lstStyle/>
+          <a:p>
+            <a:fld id="{5E9D2632-FA84-4A2D-9C87-F92E129849CA}" type="slidenum">
+              <a:rPr lang="zh-TW" altLang="en-US" smtClean="0"/>
+              <a:t>5</a:t>
+            </a:fld>
+            <a:endParaRPr lang="zh-TW" altLang="en-US"/>
+          </a:p>
+        </p:txBody>
+      </p:sp>
+    </p:spTree>
+    <p:extLst>
+      <p:ext uri="{BB962C8B-B14F-4D97-AF65-F5344CB8AC3E}">
+        <p14:creationId xmlns:p14="http://schemas.microsoft.com/office/powerpoint/2010/main" val="656109216"/>
+      </p:ext>
+    </p:extLst>
+  </p:cSld>
+  <p:clrMapOvr>
+    <a:masterClrMapping/>
+  </p:clrMapOvr>
+</p:notes>
+</file>
+
+<file path=ppt/notesSlides/notesSlide6.xml><?xml version="1.0" encoding="utf-8"?>
+<p:notes xmlns:a="http://schemas.openxmlformats.org/drawingml/2006/main" xmlns:r="http://schemas.openxmlformats.org/officeDocument/2006/relationships" xmlns:p="http://schemas.openxmlformats.org/presentationml/2006/main">
+  <p:cSld>
+    <p:spTree>
+      <p:nvGrpSpPr>
+        <p:cNvPr id="1" name=""/>
+        <p:cNvGrpSpPr/>
+        <p:nvPr/>
+      </p:nvGrpSpPr>
+      <p:grpSpPr>
+        <a:xfrm>
+          <a:off x="0" y="0"/>
+          <a:ext cx="0" cy="0"/>
+          <a:chOff x="0" y="0"/>
+          <a:chExt cx="0" cy="0"/>
+        </a:xfrm>
+      </p:grpSpPr>
+      <p:sp>
+        <p:nvSpPr>
+          <p:cNvPr id="2" name="投影片影像版面配置區 1"/>
+          <p:cNvSpPr>
+            <a:spLocks noGrp="1" noRot="1" noChangeAspect="1"/>
+          </p:cNvSpPr>
+          <p:nvPr>
+            <p:ph type="sldImg"/>
+          </p:nvPr>
+        </p:nvSpPr>
+        <p:spPr/>
+      </p:sp>
+      <p:sp>
+        <p:nvSpPr>
+          <p:cNvPr id="3" name="備忘稿版面配置區 2"/>
+          <p:cNvSpPr>
+            <a:spLocks noGrp="1"/>
+          </p:cNvSpPr>
+          <p:nvPr>
+            <p:ph type="body" idx="1"/>
+          </p:nvPr>
+        </p:nvSpPr>
+        <p:spPr/>
+        <p:txBody>
+          <a:bodyPr/>
+          <a:lstStyle/>
+          <a:p>
+            <a:pPr marL="0" marR="0" lvl="0" indent="0" algn="l" defTabSz="914400" rtl="0" eaLnBrk="1" fontAlgn="auto" latinLnBrk="0" hangingPunct="1">
+              <a:lnSpc>
+                <a:spcPct val="100000"/>
+              </a:lnSpc>
+              <a:spcBef>
+                <a:spcPts val="0"/>
+              </a:spcBef>
+              <a:spcAft>
+                <a:spcPts val="0"/>
+              </a:spcAft>
+              <a:buClrTx/>
+              <a:buSzTx/>
+              <a:buFontTx/>
+              <a:buNone/>
+              <a:tabLst/>
+              <a:defRPr/>
+            </a:pPr>
+            <a:r>
+              <a:rPr lang="en-US" altLang="zh-TW" b="1" i="0" dirty="0">
+                <a:solidFill>
+                  <a:srgbClr val="242424"/>
+                </a:solidFill>
+                <a:effectLst/>
+                <a:latin typeface="Segoe UI" panose="020B0502040204020203" pitchFamily="34" charset="0"/>
+              </a:rPr>
+              <a:t>A woman with long white curly hair, green pupils, pale skin, and a spider symbol on her clothing. She is a bartender standing behind the bar in a bar, looking expressionlessly at the boss. A man in a coat stands next to her, he is the bar owner, wearing a top hat, with a serious expression, the boss looks like he is talking. The background is still inside the bar, but it is already dawn outside, and there is no one else except the two of them. The art style is anime style, with low saturation.</a:t>
+            </a:r>
+          </a:p>
+          <a:p>
+            <a:endParaRPr lang="zh-TW" altLang="en-US" dirty="0">
+              <a:latin typeface="辰宇落雁體 Thin" panose="02000203000000000000" pitchFamily="2" charset="-120"/>
+              <a:ea typeface="辰宇落雁體 Thin" panose="02000203000000000000" pitchFamily="2" charset="-120"/>
+            </a:endParaRPr>
+          </a:p>
+        </p:txBody>
+      </p:sp>
+      <p:sp>
+        <p:nvSpPr>
+          <p:cNvPr id="4" name="投影片編號版面配置區 3"/>
+          <p:cNvSpPr>
+            <a:spLocks noGrp="1"/>
+          </p:cNvSpPr>
+          <p:nvPr>
+            <p:ph type="sldNum" sz="quarter" idx="5"/>
+          </p:nvPr>
+        </p:nvSpPr>
+        <p:spPr/>
+        <p:txBody>
+          <a:bodyPr/>
+          <a:lstStyle/>
+          <a:p>
+            <a:fld id="{5E9D2632-FA84-4A2D-9C87-F92E129849CA}" type="slidenum">
+              <a:rPr lang="zh-TW" altLang="en-US" smtClean="0"/>
+              <a:t>6</a:t>
+            </a:fld>
+            <a:endParaRPr lang="zh-TW" altLang="en-US"/>
+          </a:p>
+        </p:txBody>
+      </p:sp>
+    </p:spTree>
+    <p:extLst>
+      <p:ext uri="{BB962C8B-B14F-4D97-AF65-F5344CB8AC3E}">
+        <p14:creationId xmlns:p14="http://schemas.microsoft.com/office/powerpoint/2010/main" val="867565320"/>
+      </p:ext>
+    </p:extLst>
+  </p:cSld>
+  <p:clrMapOvr>
+    <a:masterClrMapping/>
+  </p:clrMapOvr>
+</p:notes>
+</file>
+
+<file path=ppt/notesSlides/notesSlide7.xml><?xml version="1.0" encoding="utf-8"?>
+<p:notes xmlns:a="http://schemas.openxmlformats.org/drawingml/2006/main" xmlns:r="http://schemas.openxmlformats.org/officeDocument/2006/relationships" xmlns:p="http://schemas.openxmlformats.org/presentationml/2006/main">
+  <p:cSld>
+    <p:spTree>
+      <p:nvGrpSpPr>
+        <p:cNvPr id="1" name=""/>
+        <p:cNvGrpSpPr/>
+        <p:nvPr/>
+      </p:nvGrpSpPr>
+      <p:grpSpPr>
+        <a:xfrm>
+          <a:off x="0" y="0"/>
+          <a:ext cx="0" cy="0"/>
+          <a:chOff x="0" y="0"/>
+          <a:chExt cx="0" cy="0"/>
+        </a:xfrm>
+      </p:grpSpPr>
+      <p:sp>
+        <p:nvSpPr>
+          <p:cNvPr id="2" name="投影片影像版面配置區 1"/>
+          <p:cNvSpPr>
+            <a:spLocks noGrp="1" noRot="1" noChangeAspect="1"/>
+          </p:cNvSpPr>
+          <p:nvPr>
+            <p:ph type="sldImg"/>
+          </p:nvPr>
+        </p:nvSpPr>
+        <p:spPr/>
+      </p:sp>
+      <p:sp>
+        <p:nvSpPr>
+          <p:cNvPr id="3" name="備忘稿版面配置區 2"/>
+          <p:cNvSpPr>
+            <a:spLocks noGrp="1"/>
+          </p:cNvSpPr>
+          <p:nvPr>
+            <p:ph type="body" idx="1"/>
+          </p:nvPr>
+        </p:nvSpPr>
+        <p:spPr/>
+        <p:txBody>
+          <a:bodyPr/>
+          <a:lstStyle/>
+          <a:p>
+            <a:r>
+              <a:rPr lang="zh-TW" altLang="en-US" dirty="0"/>
+              <a:t>一位女士擁有白色長捲髮，綠色瞳孔，蒼白的肌膚，服飾上有蜘蛛的象徵，他是一個酒保，站在吧檯內置身在異世界的酒吧中，這位女酒保在擦拭杯子。有一位身穿大衣的男子站在他旁邊，他是酒吧老闆，帶著高角帽，面露嚴肅，背景仍然是酒館內，只是外面已是清晨，除了他們兩人沒有其他人了，畫風是動漫風格，彩度不要太高</a:t>
+            </a:r>
+          </a:p>
+        </p:txBody>
+      </p:sp>
+      <p:sp>
+        <p:nvSpPr>
+          <p:cNvPr id="4" name="投影片編號版面配置區 3"/>
+          <p:cNvSpPr>
+            <a:spLocks noGrp="1"/>
+          </p:cNvSpPr>
+          <p:nvPr>
+            <p:ph type="sldNum" sz="quarter" idx="5"/>
+          </p:nvPr>
+        </p:nvSpPr>
+        <p:spPr/>
+        <p:txBody>
+          <a:bodyPr/>
+          <a:lstStyle/>
+          <a:p>
+            <a:fld id="{5E9D2632-FA84-4A2D-9C87-F92E129849CA}" type="slidenum">
+              <a:rPr lang="zh-TW" altLang="en-US" smtClean="0"/>
+              <a:t>7</a:t>
+            </a:fld>
+            <a:endParaRPr lang="zh-TW" altLang="en-US"/>
+          </a:p>
+        </p:txBody>
+      </p:sp>
+    </p:spTree>
+    <p:extLst>
+      <p:ext uri="{BB962C8B-B14F-4D97-AF65-F5344CB8AC3E}">
+        <p14:creationId xmlns:p14="http://schemas.microsoft.com/office/powerpoint/2010/main" val="3423972432"/>
+      </p:ext>
+    </p:extLst>
+  </p:cSld>
+  <p:clrMapOvr>
+    <a:masterClrMapping/>
+  </p:clrMapOvr>
+</p:notes>
+</file>
+
+<file path=ppt/notesSlides/notesSlide8.xml><?xml version="1.0" encoding="utf-8"?>
+<p:notes xmlns:a="http://schemas.openxmlformats.org/drawingml/2006/main" xmlns:r="http://schemas.openxmlformats.org/officeDocument/2006/relationships" xmlns:p="http://schemas.openxmlformats.org/presentationml/2006/main">
+  <p:cSld>
+    <p:spTree>
+      <p:nvGrpSpPr>
+        <p:cNvPr id="1" name=""/>
+        <p:cNvGrpSpPr/>
+        <p:nvPr/>
+      </p:nvGrpSpPr>
+      <p:grpSpPr>
+        <a:xfrm>
+          <a:off x="0" y="0"/>
+          <a:ext cx="0" cy="0"/>
+          <a:chOff x="0" y="0"/>
+          <a:chExt cx="0" cy="0"/>
+        </a:xfrm>
+      </p:grpSpPr>
+      <p:sp>
+        <p:nvSpPr>
+          <p:cNvPr id="2" name="投影片影像版面配置區 1"/>
+          <p:cNvSpPr>
+            <a:spLocks noGrp="1" noRot="1" noChangeAspect="1"/>
+          </p:cNvSpPr>
+          <p:nvPr>
+            <p:ph type="sldImg"/>
+          </p:nvPr>
+        </p:nvSpPr>
+        <p:spPr/>
+      </p:sp>
+      <p:sp>
+        <p:nvSpPr>
+          <p:cNvPr id="3" name="備忘稿版面配置區 2"/>
+          <p:cNvSpPr>
+            <a:spLocks noGrp="1"/>
+          </p:cNvSpPr>
+          <p:nvPr>
+            <p:ph type="body" idx="1"/>
+          </p:nvPr>
+        </p:nvSpPr>
+        <p:spPr/>
+        <p:txBody>
+          <a:bodyPr/>
+          <a:lstStyle/>
+          <a:p>
+            <a:r>
+              <a:rPr lang="en-US" altLang="zh-TW" dirty="0"/>
+              <a:t>"A 2D anime-style dark fantasy artwork featuring a mysterious woman around 30 years old with long, wavy gray-white hair and piercing green eyes. She has pale skin with a slight brownish undertone. She is wearing a large, stylish hat and has a mischievous expression. One hand rests under her chin as she gazes toward a distant light source. Her legs are wrapped in fabric, and she wears a gothic-inspired outfit with intricate lace designs. The background is filled with a magical atmosphere, including glowing potion bottles, candles, and other mystical objects. The lighting is dramatic, with strong contrasts between light and shadow, creating a moody, mysterious setting filled with gothic elements. She also has side-swept bangs that frame her face."</a:t>
+            </a:r>
+          </a:p>
+          <a:p>
+            <a:endParaRPr lang="zh-TW" altLang="en-US" dirty="0">
+              <a:latin typeface="辰宇落雁體 Thin" panose="02000203000000000000" pitchFamily="2" charset="-120"/>
+              <a:ea typeface="辰宇落雁體 Thin" panose="02000203000000000000" pitchFamily="2" charset="-120"/>
+            </a:endParaRPr>
+          </a:p>
+        </p:txBody>
+      </p:sp>
+      <p:sp>
+        <p:nvSpPr>
+          <p:cNvPr id="4" name="投影片編號版面配置區 3"/>
+          <p:cNvSpPr>
+            <a:spLocks noGrp="1"/>
+          </p:cNvSpPr>
+          <p:nvPr>
+            <p:ph type="sldNum" sz="quarter" idx="5"/>
+          </p:nvPr>
+        </p:nvSpPr>
+        <p:spPr/>
+        <p:txBody>
+          <a:bodyPr/>
+          <a:lstStyle/>
+          <a:p>
+            <a:fld id="{5E9D2632-FA84-4A2D-9C87-F92E129849CA}" type="slidenum">
+              <a:rPr lang="zh-TW" altLang="en-US" smtClean="0"/>
+              <a:t>8</a:t>
+            </a:fld>
+            <a:endParaRPr lang="zh-TW" altLang="en-US"/>
+          </a:p>
+        </p:txBody>
+      </p:sp>
+    </p:spTree>
+    <p:extLst>
+      <p:ext uri="{BB962C8B-B14F-4D97-AF65-F5344CB8AC3E}">
+        <p14:creationId xmlns:p14="http://schemas.microsoft.com/office/powerpoint/2010/main" val="4159140237"/>
+      </p:ext>
+    </p:extLst>
+  </p:cSld>
+  <p:clrMapOvr>
+    <a:masterClrMapping/>
+  </p:clrMapOvr>
+</p:notes>
 </file>
 
 <file path=ppt/slideLayouts/slideLayout1.xml><?xml version="1.0" encoding="utf-8"?>
@@ -254,7 +1355,7 @@
           <a:p>
             <a:fld id="{C3C90D7E-32D6-4894-AE08-7BBB3E610FC9}" type="datetimeFigureOut">
               <a:rPr lang="zh-TW" altLang="en-US" smtClean="0"/>
-              <a:t>2024/9/16</a:t>
+              <a:t>2024/10/31</a:t>
             </a:fld>
             <a:endParaRPr lang="zh-TW" altLang="en-US"/>
           </a:p>
@@ -452,7 +1553,7 @@
           <a:p>
             <a:fld id="{C3C90D7E-32D6-4894-AE08-7BBB3E610FC9}" type="datetimeFigureOut">
               <a:rPr lang="zh-TW" altLang="en-US" smtClean="0"/>
-              <a:t>2024/9/16</a:t>
+              <a:t>2024/10/31</a:t>
             </a:fld>
             <a:endParaRPr lang="zh-TW" altLang="en-US"/>
           </a:p>
@@ -660,7 +1761,7 @@
           <a:p>
             <a:fld id="{C3C90D7E-32D6-4894-AE08-7BBB3E610FC9}" type="datetimeFigureOut">
               <a:rPr lang="zh-TW" altLang="en-US" smtClean="0"/>
-              <a:t>2024/9/16</a:t>
+              <a:t>2024/10/31</a:t>
             </a:fld>
             <a:endParaRPr lang="zh-TW" altLang="en-US"/>
           </a:p>
@@ -858,7 +1959,7 @@
           <a:p>
             <a:fld id="{C3C90D7E-32D6-4894-AE08-7BBB3E610FC9}" type="datetimeFigureOut">
               <a:rPr lang="zh-TW" altLang="en-US" smtClean="0"/>
-              <a:t>2024/9/16</a:t>
+              <a:t>2024/10/31</a:t>
             </a:fld>
             <a:endParaRPr lang="zh-TW" altLang="en-US"/>
           </a:p>
@@ -1133,7 +2234,7 @@
           <a:p>
             <a:fld id="{C3C90D7E-32D6-4894-AE08-7BBB3E610FC9}" type="datetimeFigureOut">
               <a:rPr lang="zh-TW" altLang="en-US" smtClean="0"/>
-              <a:t>2024/9/16</a:t>
+              <a:t>2024/10/31</a:t>
             </a:fld>
             <a:endParaRPr lang="zh-TW" altLang="en-US"/>
           </a:p>
@@ -1398,7 +2499,7 @@
           <a:p>
             <a:fld id="{C3C90D7E-32D6-4894-AE08-7BBB3E610FC9}" type="datetimeFigureOut">
               <a:rPr lang="zh-TW" altLang="en-US" smtClean="0"/>
-              <a:t>2024/9/16</a:t>
+              <a:t>2024/10/31</a:t>
             </a:fld>
             <a:endParaRPr lang="zh-TW" altLang="en-US"/>
           </a:p>
@@ -1810,7 +2911,7 @@
           <a:p>
             <a:fld id="{C3C90D7E-32D6-4894-AE08-7BBB3E610FC9}" type="datetimeFigureOut">
               <a:rPr lang="zh-TW" altLang="en-US" smtClean="0"/>
-              <a:t>2024/9/16</a:t>
+              <a:t>2024/10/31</a:t>
             </a:fld>
             <a:endParaRPr lang="zh-TW" altLang="en-US"/>
           </a:p>
@@ -1951,7 +3052,7 @@
           <a:p>
             <a:fld id="{C3C90D7E-32D6-4894-AE08-7BBB3E610FC9}" type="datetimeFigureOut">
               <a:rPr lang="zh-TW" altLang="en-US" smtClean="0"/>
-              <a:t>2024/9/16</a:t>
+              <a:t>2024/10/31</a:t>
             </a:fld>
             <a:endParaRPr lang="zh-TW" altLang="en-US"/>
           </a:p>
@@ -2064,7 +3165,7 @@
           <a:p>
             <a:fld id="{C3C90D7E-32D6-4894-AE08-7BBB3E610FC9}" type="datetimeFigureOut">
               <a:rPr lang="zh-TW" altLang="en-US" smtClean="0"/>
-              <a:t>2024/9/16</a:t>
+              <a:t>2024/10/31</a:t>
             </a:fld>
             <a:endParaRPr lang="zh-TW" altLang="en-US"/>
           </a:p>
@@ -2375,7 +3476,7 @@
           <a:p>
             <a:fld id="{C3C90D7E-32D6-4894-AE08-7BBB3E610FC9}" type="datetimeFigureOut">
               <a:rPr lang="zh-TW" altLang="en-US" smtClean="0"/>
-              <a:t>2024/9/16</a:t>
+              <a:t>2024/10/31</a:t>
             </a:fld>
             <a:endParaRPr lang="zh-TW" altLang="en-US"/>
           </a:p>
@@ -2663,7 +3764,7 @@
           <a:p>
             <a:fld id="{C3C90D7E-32D6-4894-AE08-7BBB3E610FC9}" type="datetimeFigureOut">
               <a:rPr lang="zh-TW" altLang="en-US" smtClean="0"/>
-              <a:t>2024/9/16</a:t>
+              <a:t>2024/10/31</a:t>
             </a:fld>
             <a:endParaRPr lang="zh-TW" altLang="en-US"/>
           </a:p>
@@ -2904,7 +4005,7 @@
           <a:p>
             <a:fld id="{C3C90D7E-32D6-4894-AE08-7BBB3E610FC9}" type="datetimeFigureOut">
               <a:rPr lang="zh-TW" altLang="en-US" smtClean="0"/>
-              <a:t>2024/9/16</a:t>
+              <a:t>2024/10/31</a:t>
             </a:fld>
             <a:endParaRPr lang="zh-TW" altLang="en-US"/>
           </a:p>
@@ -3321,60 +4422,2267 @@
           <a:chExt cx="0" cy="0"/>
         </a:xfrm>
       </p:grpSpPr>
-      <p:sp>
-        <p:nvSpPr>
-          <p:cNvPr id="2" name="標題 1">
-            <a:extLst>
-              <a:ext uri="{FF2B5EF4-FFF2-40B4-BE49-F238E27FC236}">
-                <a16:creationId xmlns:a16="http://schemas.microsoft.com/office/drawing/2014/main" id="{32532283-9F93-4E44-8138-32796965361F}"/>
-              </a:ext>
-            </a:extLst>
-          </p:cNvPr>
-          <p:cNvSpPr>
-            <a:spLocks noGrp="1"/>
-          </p:cNvSpPr>
-          <p:nvPr>
-            <p:ph type="ctrTitle"/>
-          </p:nvPr>
-        </p:nvSpPr>
-        <p:spPr/>
-        <p:txBody>
-          <a:bodyPr/>
-          <a:lstStyle/>
-          <a:p>
-            <a:endParaRPr lang="zh-TW" altLang="en-US"/>
-          </a:p>
-        </p:txBody>
-      </p:sp>
-      <p:sp>
-        <p:nvSpPr>
-          <p:cNvPr id="3" name="副標題 2">
-            <a:extLst>
-              <a:ext uri="{FF2B5EF4-FFF2-40B4-BE49-F238E27FC236}">
-                <a16:creationId xmlns:a16="http://schemas.microsoft.com/office/drawing/2014/main" id="{8C946F38-524D-4B98-B9CB-80AEE57E455A}"/>
-              </a:ext>
-            </a:extLst>
-          </p:cNvPr>
-          <p:cNvSpPr>
-            <a:spLocks noGrp="1"/>
-          </p:cNvSpPr>
-          <p:nvPr>
-            <p:ph type="subTitle" idx="1"/>
-          </p:nvPr>
-        </p:nvSpPr>
-        <p:spPr/>
-        <p:txBody>
-          <a:bodyPr/>
-          <a:lstStyle/>
-          <a:p>
-            <a:endParaRPr lang="zh-TW" altLang="en-US"/>
+      <p:pic>
+        <p:nvPicPr>
+          <p:cNvPr id="3" name="圖片 2">
+            <a:extLst>
+              <a:ext uri="{FF2B5EF4-FFF2-40B4-BE49-F238E27FC236}">
+                <a16:creationId xmlns:a16="http://schemas.microsoft.com/office/drawing/2014/main" id="{9AE9D86D-746C-4476-824F-83767DC1F609}"/>
+              </a:ext>
+            </a:extLst>
+          </p:cNvPr>
+          <p:cNvPicPr>
+            <a:picLocks noChangeAspect="1"/>
+          </p:cNvPicPr>
+          <p:nvPr/>
+        </p:nvPicPr>
+        <p:blipFill>
+          <a:blip r:embed="rId3">
+            <a:extLst>
+              <a:ext uri="{28A0092B-C50C-407E-A947-70E740481C1C}">
+                <a14:useLocalDpi xmlns:a14="http://schemas.microsoft.com/office/drawing/2010/main" val="0"/>
+              </a:ext>
+            </a:extLst>
+          </a:blip>
+          <a:stretch>
+            <a:fillRect/>
+          </a:stretch>
+        </p:blipFill>
+        <p:spPr>
+          <a:xfrm>
+            <a:off x="1" y="-1"/>
+            <a:ext cx="12192000" cy="6858001"/>
+          </a:xfrm>
+          <a:prstGeom prst="rect">
+            <a:avLst/>
+          </a:prstGeom>
+        </p:spPr>
+      </p:pic>
+      <p:pic>
+        <p:nvPicPr>
+          <p:cNvPr id="13" name="圖片 12">
+            <a:extLst>
+              <a:ext uri="{FF2B5EF4-FFF2-40B4-BE49-F238E27FC236}">
+                <a16:creationId xmlns:a16="http://schemas.microsoft.com/office/drawing/2014/main" id="{EBBCA1EE-5085-411B-8B6F-6483DEA99A75}"/>
+              </a:ext>
+            </a:extLst>
+          </p:cNvPr>
+          <p:cNvPicPr>
+            <a:picLocks noChangeAspect="1"/>
+          </p:cNvPicPr>
+          <p:nvPr/>
+        </p:nvPicPr>
+        <p:blipFill>
+          <a:blip r:embed="rId4">
+            <a:extLst>
+              <a:ext uri="{28A0092B-C50C-407E-A947-70E740481C1C}">
+                <a14:useLocalDpi xmlns:a14="http://schemas.microsoft.com/office/drawing/2010/main" val="0"/>
+              </a:ext>
+            </a:extLst>
+          </a:blip>
+          <a:stretch>
+            <a:fillRect/>
+          </a:stretch>
+        </p:blipFill>
+        <p:spPr>
+          <a:xfrm>
+            <a:off x="0" y="0"/>
+            <a:ext cx="4994154" cy="1268260"/>
+          </a:xfrm>
+          <a:prstGeom prst="rect">
+            <a:avLst/>
+          </a:prstGeom>
+        </p:spPr>
+      </p:pic>
+      <p:pic>
+        <p:nvPicPr>
+          <p:cNvPr id="5" name="圖片 4">
+            <a:extLst>
+              <a:ext uri="{FF2B5EF4-FFF2-40B4-BE49-F238E27FC236}">
+                <a16:creationId xmlns:a16="http://schemas.microsoft.com/office/drawing/2014/main" id="{F863495A-C331-4519-A203-3646835388E8}"/>
+              </a:ext>
+            </a:extLst>
+          </p:cNvPr>
+          <p:cNvPicPr>
+            <a:picLocks noChangeAspect="1"/>
+          </p:cNvPicPr>
+          <p:nvPr/>
+        </p:nvPicPr>
+        <p:blipFill>
+          <a:blip r:embed="rId5">
+            <a:extLst>
+              <a:ext uri="{28A0092B-C50C-407E-A947-70E740481C1C}">
+                <a14:useLocalDpi xmlns:a14="http://schemas.microsoft.com/office/drawing/2010/main" val="0"/>
+              </a:ext>
+            </a:extLst>
+          </a:blip>
+          <a:stretch>
+            <a:fillRect/>
+          </a:stretch>
+        </p:blipFill>
+        <p:spPr>
+          <a:xfrm>
+            <a:off x="-1" y="-2"/>
+            <a:ext cx="12192003" cy="6858002"/>
+          </a:xfrm>
+          <a:prstGeom prst="rect">
+            <a:avLst/>
+          </a:prstGeom>
+        </p:spPr>
+      </p:pic>
+      <p:sp>
+        <p:nvSpPr>
+          <p:cNvPr id="7" name="文字方塊 6">
+            <a:extLst>
+              <a:ext uri="{FF2B5EF4-FFF2-40B4-BE49-F238E27FC236}">
+                <a16:creationId xmlns:a16="http://schemas.microsoft.com/office/drawing/2014/main" id="{81554ED4-7C60-4915-970A-23DBBB4A486A}"/>
+              </a:ext>
+            </a:extLst>
+          </p:cNvPr>
+          <p:cNvSpPr txBox="1"/>
+          <p:nvPr/>
+        </p:nvSpPr>
+        <p:spPr>
+          <a:xfrm flipH="1">
+            <a:off x="1112865" y="1793399"/>
+            <a:ext cx="4718487" cy="1107996"/>
+          </a:xfrm>
+          <a:prstGeom prst="rect">
+            <a:avLst/>
+          </a:prstGeom>
+          <a:noFill/>
+        </p:spPr>
+        <p:txBody>
+          <a:bodyPr wrap="square" rtlCol="0">
+            <a:spAutoFit/>
+          </a:bodyPr>
+          <a:lstStyle/>
+          <a:p>
+            <a:r>
+              <a:rPr lang="zh-TW" altLang="en-US" sz="6600" b="1" dirty="0">
+                <a:solidFill>
+                  <a:schemeClr val="bg1"/>
+                </a:solidFill>
+                <a:latin typeface="清松手寫體5" pitchFamily="2" charset="-120"/>
+                <a:ea typeface="清松手寫體5" pitchFamily="2" charset="-120"/>
+                <a:cs typeface="cjkFonts 全瀨體" panose="02000600000000000000" pitchFamily="2" charset="-120"/>
+              </a:rPr>
+              <a:t>開店的序章</a:t>
+            </a:r>
           </a:p>
         </p:txBody>
       </p:sp>
     </p:spTree>
     <p:extLst>
       <p:ext uri="{BB962C8B-B14F-4D97-AF65-F5344CB8AC3E}">
-        <p14:creationId xmlns:p14="http://schemas.microsoft.com/office/powerpoint/2010/main" val="1328321055"/>
+        <p14:creationId xmlns:p14="http://schemas.microsoft.com/office/powerpoint/2010/main" val="3145675926"/>
+      </p:ext>
+    </p:extLst>
+  </p:cSld>
+  <p:clrMapOvr>
+    <a:masterClrMapping/>
+  </p:clrMapOvr>
+</p:sld>
+</file>
+
+<file path=ppt/slides/slide2.xml><?xml version="1.0" encoding="utf-8"?>
+<p:sld xmlns:a="http://schemas.openxmlformats.org/drawingml/2006/main" xmlns:r="http://schemas.openxmlformats.org/officeDocument/2006/relationships" xmlns:p="http://schemas.openxmlformats.org/presentationml/2006/main">
+  <p:cSld>
+    <p:spTree>
+      <p:nvGrpSpPr>
+        <p:cNvPr id="1" name=""/>
+        <p:cNvGrpSpPr/>
+        <p:nvPr/>
+      </p:nvGrpSpPr>
+      <p:grpSpPr>
+        <a:xfrm>
+          <a:off x="0" y="0"/>
+          <a:ext cx="0" cy="0"/>
+          <a:chOff x="0" y="0"/>
+          <a:chExt cx="0" cy="0"/>
+        </a:xfrm>
+      </p:grpSpPr>
+      <p:sp>
+        <p:nvSpPr>
+          <p:cNvPr id="2" name="矩形 1">
+            <a:extLst>
+              <a:ext uri="{FF2B5EF4-FFF2-40B4-BE49-F238E27FC236}">
+                <a16:creationId xmlns:a16="http://schemas.microsoft.com/office/drawing/2014/main" id="{D561257D-4141-45E7-B268-45966D973E82}"/>
+              </a:ext>
+            </a:extLst>
+          </p:cNvPr>
+          <p:cNvSpPr/>
+          <p:nvPr/>
+        </p:nvSpPr>
+        <p:spPr>
+          <a:xfrm>
+            <a:off x="231913" y="371131"/>
+            <a:ext cx="9289774" cy="5512834"/>
+          </a:xfrm>
+          <a:prstGeom prst="rect">
+            <a:avLst/>
+          </a:prstGeom>
+          <a:solidFill>
+            <a:srgbClr val="110B15"/>
+          </a:solidFill>
+        </p:spPr>
+        <p:style>
+          <a:lnRef idx="2">
+            <a:schemeClr val="accent1">
+              <a:shade val="50000"/>
+            </a:schemeClr>
+          </a:lnRef>
+          <a:fillRef idx="1">
+            <a:schemeClr val="accent1"/>
+          </a:fillRef>
+          <a:effectRef idx="0">
+            <a:schemeClr val="accent1"/>
+          </a:effectRef>
+          <a:fontRef idx="minor">
+            <a:schemeClr val="lt1"/>
+          </a:fontRef>
+        </p:style>
+        <p:txBody>
+          <a:bodyPr rtlCol="0" anchor="ctr"/>
+          <a:lstStyle/>
+          <a:p>
+            <a:pPr algn="ctr"/>
+            <a:endParaRPr lang="zh-TW" altLang="en-US"/>
+          </a:p>
+        </p:txBody>
+      </p:sp>
+      <p:pic>
+        <p:nvPicPr>
+          <p:cNvPr id="3" name="圖片 2">
+            <a:extLst>
+              <a:ext uri="{FF2B5EF4-FFF2-40B4-BE49-F238E27FC236}">
+                <a16:creationId xmlns:a16="http://schemas.microsoft.com/office/drawing/2014/main" id="{9AE9D86D-746C-4476-824F-83767DC1F609}"/>
+              </a:ext>
+            </a:extLst>
+          </p:cNvPr>
+          <p:cNvPicPr>
+            <a:picLocks noChangeAspect="1"/>
+          </p:cNvPicPr>
+          <p:nvPr/>
+        </p:nvPicPr>
+        <p:blipFill>
+          <a:blip r:embed="rId3">
+            <a:extLst>
+              <a:ext uri="{28A0092B-C50C-407E-A947-70E740481C1C}">
+                <a14:useLocalDpi xmlns:a14="http://schemas.microsoft.com/office/drawing/2010/main" val="0"/>
+              </a:ext>
+            </a:extLst>
+          </a:blip>
+          <a:stretch>
+            <a:fillRect/>
+          </a:stretch>
+        </p:blipFill>
+        <p:spPr>
+          <a:xfrm>
+            <a:off x="1" y="-1"/>
+            <a:ext cx="12192000" cy="6858001"/>
+          </a:xfrm>
+          <a:prstGeom prst="rect">
+            <a:avLst/>
+          </a:prstGeom>
+        </p:spPr>
+      </p:pic>
+      <p:pic>
+        <p:nvPicPr>
+          <p:cNvPr id="12" name="圖片 11">
+            <a:extLst>
+              <a:ext uri="{FF2B5EF4-FFF2-40B4-BE49-F238E27FC236}">
+                <a16:creationId xmlns:a16="http://schemas.microsoft.com/office/drawing/2014/main" id="{ADC7CFC2-A638-4751-AA92-812386CB4F05}"/>
+              </a:ext>
+            </a:extLst>
+          </p:cNvPr>
+          <p:cNvPicPr>
+            <a:picLocks noChangeAspect="1"/>
+          </p:cNvPicPr>
+          <p:nvPr/>
+        </p:nvPicPr>
+        <p:blipFill>
+          <a:blip r:embed="rId4">
+            <a:extLst>
+              <a:ext uri="{28A0092B-C50C-407E-A947-70E740481C1C}">
+                <a14:useLocalDpi xmlns:a14="http://schemas.microsoft.com/office/drawing/2010/main" val="0"/>
+              </a:ext>
+            </a:extLst>
+          </a:blip>
+          <a:stretch>
+            <a:fillRect/>
+          </a:stretch>
+        </p:blipFill>
+        <p:spPr>
+          <a:xfrm>
+            <a:off x="0" y="-11598"/>
+            <a:ext cx="12191997" cy="6857999"/>
+          </a:xfrm>
+          <a:prstGeom prst="rect">
+            <a:avLst/>
+          </a:prstGeom>
+        </p:spPr>
+      </p:pic>
+      <p:pic>
+        <p:nvPicPr>
+          <p:cNvPr id="22" name="圖片 21">
+            <a:extLst>
+              <a:ext uri="{FF2B5EF4-FFF2-40B4-BE49-F238E27FC236}">
+                <a16:creationId xmlns:a16="http://schemas.microsoft.com/office/drawing/2014/main" id="{1C59443E-FC71-4863-9A5E-3355EE36A564}"/>
+              </a:ext>
+            </a:extLst>
+          </p:cNvPr>
+          <p:cNvPicPr>
+            <a:picLocks noChangeAspect="1"/>
+          </p:cNvPicPr>
+          <p:nvPr/>
+        </p:nvPicPr>
+        <p:blipFill>
+          <a:blip r:embed="rId5">
+            <a:extLst>
+              <a:ext uri="{28A0092B-C50C-407E-A947-70E740481C1C}">
+                <a14:useLocalDpi xmlns:a14="http://schemas.microsoft.com/office/drawing/2010/main" val="0"/>
+              </a:ext>
+            </a:extLst>
+          </a:blip>
+          <a:stretch>
+            <a:fillRect/>
+          </a:stretch>
+        </p:blipFill>
+        <p:spPr>
+          <a:xfrm>
+            <a:off x="477082" y="5733007"/>
+            <a:ext cx="5573636" cy="753862"/>
+          </a:xfrm>
+          <a:prstGeom prst="rect">
+            <a:avLst/>
+          </a:prstGeom>
+        </p:spPr>
+      </p:pic>
+      <p:sp>
+        <p:nvSpPr>
+          <p:cNvPr id="23" name="文字方塊 22">
+            <a:extLst>
+              <a:ext uri="{FF2B5EF4-FFF2-40B4-BE49-F238E27FC236}">
+                <a16:creationId xmlns:a16="http://schemas.microsoft.com/office/drawing/2014/main" id="{882627A5-487B-4F41-8AF9-E0D77F969867}"/>
+              </a:ext>
+            </a:extLst>
+          </p:cNvPr>
+          <p:cNvSpPr txBox="1"/>
+          <p:nvPr/>
+        </p:nvSpPr>
+        <p:spPr>
+          <a:xfrm flipH="1">
+            <a:off x="2541047" y="5694439"/>
+            <a:ext cx="1567127" cy="830997"/>
+          </a:xfrm>
+          <a:prstGeom prst="rect">
+            <a:avLst/>
+          </a:prstGeom>
+          <a:noFill/>
+        </p:spPr>
+        <p:txBody>
+          <a:bodyPr wrap="square" rtlCol="0">
+            <a:spAutoFit/>
+          </a:bodyPr>
+          <a:lstStyle/>
+          <a:p>
+            <a:r>
+              <a:rPr lang="zh-TW" altLang="en-US" sz="4800" b="1" dirty="0">
+                <a:solidFill>
+                  <a:schemeClr val="bg1"/>
+                </a:solidFill>
+                <a:latin typeface="清松手寫體5" pitchFamily="2" charset="-120"/>
+                <a:ea typeface="清松手寫體5" pitchFamily="2" charset="-120"/>
+                <a:cs typeface="cjkFonts 全瀨體" panose="02000600000000000000" pitchFamily="2" charset="-120"/>
+              </a:rPr>
+              <a:t>目標</a:t>
+            </a:r>
+          </a:p>
+        </p:txBody>
+      </p:sp>
+      <p:pic>
+        <p:nvPicPr>
+          <p:cNvPr id="7" name="圖片 6">
+            <a:extLst>
+              <a:ext uri="{FF2B5EF4-FFF2-40B4-BE49-F238E27FC236}">
+                <a16:creationId xmlns:a16="http://schemas.microsoft.com/office/drawing/2014/main" id="{E9829F2B-E92D-490C-80C6-AB5F1225DD05}"/>
+              </a:ext>
+            </a:extLst>
+          </p:cNvPr>
+          <p:cNvPicPr>
+            <a:picLocks noChangeAspect="1"/>
+          </p:cNvPicPr>
+          <p:nvPr/>
+        </p:nvPicPr>
+        <p:blipFill>
+          <a:blip r:embed="rId6">
+            <a:extLst>
+              <a:ext uri="{28A0092B-C50C-407E-A947-70E740481C1C}">
+                <a14:useLocalDpi xmlns:a14="http://schemas.microsoft.com/office/drawing/2010/main" val="0"/>
+              </a:ext>
+            </a:extLst>
+          </a:blip>
+          <a:stretch>
+            <a:fillRect/>
+          </a:stretch>
+        </p:blipFill>
+        <p:spPr>
+          <a:xfrm>
+            <a:off x="2173357" y="709027"/>
+            <a:ext cx="4737616" cy="4737616"/>
+          </a:xfrm>
+          <a:prstGeom prst="rect">
+            <a:avLst/>
+          </a:prstGeom>
+        </p:spPr>
+      </p:pic>
+      <p:pic>
+        <p:nvPicPr>
+          <p:cNvPr id="5" name="圖片 4">
+            <a:extLst>
+              <a:ext uri="{FF2B5EF4-FFF2-40B4-BE49-F238E27FC236}">
+                <a16:creationId xmlns:a16="http://schemas.microsoft.com/office/drawing/2014/main" id="{CC4ADBB3-5BA6-4E84-83B3-C5C88AB8DA2D}"/>
+              </a:ext>
+            </a:extLst>
+          </p:cNvPr>
+          <p:cNvPicPr>
+            <a:picLocks noChangeAspect="1"/>
+          </p:cNvPicPr>
+          <p:nvPr/>
+        </p:nvPicPr>
+        <p:blipFill>
+          <a:blip r:embed="rId7">
+            <a:extLst>
+              <a:ext uri="{28A0092B-C50C-407E-A947-70E740481C1C}">
+                <a14:useLocalDpi xmlns:a14="http://schemas.microsoft.com/office/drawing/2010/main" val="0"/>
+              </a:ext>
+            </a:extLst>
+          </a:blip>
+          <a:stretch>
+            <a:fillRect/>
+          </a:stretch>
+        </p:blipFill>
+        <p:spPr>
+          <a:xfrm>
+            <a:off x="2173353" y="697428"/>
+            <a:ext cx="4737616" cy="4737616"/>
+          </a:xfrm>
+          <a:prstGeom prst="rect">
+            <a:avLst/>
+          </a:prstGeom>
+        </p:spPr>
+      </p:pic>
+    </p:spTree>
+    <p:extLst>
+      <p:ext uri="{BB962C8B-B14F-4D97-AF65-F5344CB8AC3E}">
+        <p14:creationId xmlns:p14="http://schemas.microsoft.com/office/powerpoint/2010/main" val="2411996899"/>
+      </p:ext>
+    </p:extLst>
+  </p:cSld>
+  <p:clrMapOvr>
+    <a:masterClrMapping/>
+  </p:clrMapOvr>
+</p:sld>
+</file>
+
+<file path=ppt/slides/slide3.xml><?xml version="1.0" encoding="utf-8"?>
+<p:sld xmlns:a="http://schemas.openxmlformats.org/drawingml/2006/main" xmlns:r="http://schemas.openxmlformats.org/officeDocument/2006/relationships" xmlns:p="http://schemas.openxmlformats.org/presentationml/2006/main">
+  <p:cSld>
+    <p:spTree>
+      <p:nvGrpSpPr>
+        <p:cNvPr id="1" name=""/>
+        <p:cNvGrpSpPr/>
+        <p:nvPr/>
+      </p:nvGrpSpPr>
+      <p:grpSpPr>
+        <a:xfrm>
+          <a:off x="0" y="0"/>
+          <a:ext cx="0" cy="0"/>
+          <a:chOff x="0" y="0"/>
+          <a:chExt cx="0" cy="0"/>
+        </a:xfrm>
+      </p:grpSpPr>
+      <p:sp>
+        <p:nvSpPr>
+          <p:cNvPr id="2" name="矩形 1">
+            <a:extLst>
+              <a:ext uri="{FF2B5EF4-FFF2-40B4-BE49-F238E27FC236}">
+                <a16:creationId xmlns:a16="http://schemas.microsoft.com/office/drawing/2014/main" id="{D561257D-4141-45E7-B268-45966D973E82}"/>
+              </a:ext>
+            </a:extLst>
+          </p:cNvPr>
+          <p:cNvSpPr/>
+          <p:nvPr/>
+        </p:nvSpPr>
+        <p:spPr>
+          <a:xfrm>
+            <a:off x="231913" y="371131"/>
+            <a:ext cx="9289774" cy="5512834"/>
+          </a:xfrm>
+          <a:prstGeom prst="rect">
+            <a:avLst/>
+          </a:prstGeom>
+          <a:solidFill>
+            <a:srgbClr val="110B15"/>
+          </a:solidFill>
+        </p:spPr>
+        <p:style>
+          <a:lnRef idx="2">
+            <a:schemeClr val="accent1">
+              <a:shade val="50000"/>
+            </a:schemeClr>
+          </a:lnRef>
+          <a:fillRef idx="1">
+            <a:schemeClr val="accent1"/>
+          </a:fillRef>
+          <a:effectRef idx="0">
+            <a:schemeClr val="accent1"/>
+          </a:effectRef>
+          <a:fontRef idx="minor">
+            <a:schemeClr val="lt1"/>
+          </a:fontRef>
+        </p:style>
+        <p:txBody>
+          <a:bodyPr rtlCol="0" anchor="ctr"/>
+          <a:lstStyle/>
+          <a:p>
+            <a:pPr algn="ctr"/>
+            <a:endParaRPr lang="zh-TW" altLang="en-US"/>
+          </a:p>
+        </p:txBody>
+      </p:sp>
+      <p:pic>
+        <p:nvPicPr>
+          <p:cNvPr id="3" name="圖片 2">
+            <a:extLst>
+              <a:ext uri="{FF2B5EF4-FFF2-40B4-BE49-F238E27FC236}">
+                <a16:creationId xmlns:a16="http://schemas.microsoft.com/office/drawing/2014/main" id="{9AE9D86D-746C-4476-824F-83767DC1F609}"/>
+              </a:ext>
+            </a:extLst>
+          </p:cNvPr>
+          <p:cNvPicPr>
+            <a:picLocks noChangeAspect="1"/>
+          </p:cNvPicPr>
+          <p:nvPr/>
+        </p:nvPicPr>
+        <p:blipFill>
+          <a:blip r:embed="rId3">
+            <a:extLst>
+              <a:ext uri="{28A0092B-C50C-407E-A947-70E740481C1C}">
+                <a14:useLocalDpi xmlns:a14="http://schemas.microsoft.com/office/drawing/2010/main" val="0"/>
+              </a:ext>
+            </a:extLst>
+          </a:blip>
+          <a:stretch>
+            <a:fillRect/>
+          </a:stretch>
+        </p:blipFill>
+        <p:spPr>
+          <a:xfrm>
+            <a:off x="1" y="-1"/>
+            <a:ext cx="12192000" cy="6858001"/>
+          </a:xfrm>
+          <a:prstGeom prst="rect">
+            <a:avLst/>
+          </a:prstGeom>
+        </p:spPr>
+      </p:pic>
+      <p:pic>
+        <p:nvPicPr>
+          <p:cNvPr id="12" name="圖片 11">
+            <a:extLst>
+              <a:ext uri="{FF2B5EF4-FFF2-40B4-BE49-F238E27FC236}">
+                <a16:creationId xmlns:a16="http://schemas.microsoft.com/office/drawing/2014/main" id="{ADC7CFC2-A638-4751-AA92-812386CB4F05}"/>
+              </a:ext>
+            </a:extLst>
+          </p:cNvPr>
+          <p:cNvPicPr>
+            <a:picLocks noChangeAspect="1"/>
+          </p:cNvPicPr>
+          <p:nvPr/>
+        </p:nvPicPr>
+        <p:blipFill>
+          <a:blip r:embed="rId4">
+            <a:extLst>
+              <a:ext uri="{28A0092B-C50C-407E-A947-70E740481C1C}">
+                <a14:useLocalDpi xmlns:a14="http://schemas.microsoft.com/office/drawing/2010/main" val="0"/>
+              </a:ext>
+            </a:extLst>
+          </a:blip>
+          <a:stretch>
+            <a:fillRect/>
+          </a:stretch>
+        </p:blipFill>
+        <p:spPr>
+          <a:xfrm>
+            <a:off x="0" y="-11598"/>
+            <a:ext cx="12191997" cy="6857999"/>
+          </a:xfrm>
+          <a:prstGeom prst="rect">
+            <a:avLst/>
+          </a:prstGeom>
+        </p:spPr>
+      </p:pic>
+      <p:pic>
+        <p:nvPicPr>
+          <p:cNvPr id="22" name="圖片 21">
+            <a:extLst>
+              <a:ext uri="{FF2B5EF4-FFF2-40B4-BE49-F238E27FC236}">
+                <a16:creationId xmlns:a16="http://schemas.microsoft.com/office/drawing/2014/main" id="{1C59443E-FC71-4863-9A5E-3355EE36A564}"/>
+              </a:ext>
+            </a:extLst>
+          </p:cNvPr>
+          <p:cNvPicPr>
+            <a:picLocks noChangeAspect="1"/>
+          </p:cNvPicPr>
+          <p:nvPr/>
+        </p:nvPicPr>
+        <p:blipFill>
+          <a:blip r:embed="rId5">
+            <a:extLst>
+              <a:ext uri="{28A0092B-C50C-407E-A947-70E740481C1C}">
+                <a14:useLocalDpi xmlns:a14="http://schemas.microsoft.com/office/drawing/2010/main" val="0"/>
+              </a:ext>
+            </a:extLst>
+          </a:blip>
+          <a:stretch>
+            <a:fillRect/>
+          </a:stretch>
+        </p:blipFill>
+        <p:spPr>
+          <a:xfrm>
+            <a:off x="477082" y="5733007"/>
+            <a:ext cx="5573636" cy="753862"/>
+          </a:xfrm>
+          <a:prstGeom prst="rect">
+            <a:avLst/>
+          </a:prstGeom>
+        </p:spPr>
+      </p:pic>
+      <p:sp>
+        <p:nvSpPr>
+          <p:cNvPr id="23" name="文字方塊 22">
+            <a:extLst>
+              <a:ext uri="{FF2B5EF4-FFF2-40B4-BE49-F238E27FC236}">
+                <a16:creationId xmlns:a16="http://schemas.microsoft.com/office/drawing/2014/main" id="{882627A5-487B-4F41-8AF9-E0D77F969867}"/>
+              </a:ext>
+            </a:extLst>
+          </p:cNvPr>
+          <p:cNvSpPr txBox="1"/>
+          <p:nvPr/>
+        </p:nvSpPr>
+        <p:spPr>
+          <a:xfrm flipH="1">
+            <a:off x="2541047" y="5694439"/>
+            <a:ext cx="1567127" cy="830997"/>
+          </a:xfrm>
+          <a:prstGeom prst="rect">
+            <a:avLst/>
+          </a:prstGeom>
+          <a:noFill/>
+        </p:spPr>
+        <p:txBody>
+          <a:bodyPr wrap="square" rtlCol="0">
+            <a:spAutoFit/>
+          </a:bodyPr>
+          <a:lstStyle/>
+          <a:p>
+            <a:r>
+              <a:rPr lang="zh-TW" altLang="en-US" sz="4800" b="1" dirty="0">
+                <a:solidFill>
+                  <a:schemeClr val="bg1"/>
+                </a:solidFill>
+                <a:latin typeface="清松手寫體5" pitchFamily="2" charset="-120"/>
+                <a:ea typeface="清松手寫體5" pitchFamily="2" charset="-120"/>
+                <a:cs typeface="cjkFonts 全瀨體" panose="02000600000000000000" pitchFamily="2" charset="-120"/>
+              </a:rPr>
+              <a:t>阻礙</a:t>
+            </a:r>
+          </a:p>
+        </p:txBody>
+      </p:sp>
+      <p:pic>
+        <p:nvPicPr>
+          <p:cNvPr id="8" name="圖片 7">
+            <a:extLst>
+              <a:ext uri="{FF2B5EF4-FFF2-40B4-BE49-F238E27FC236}">
+                <a16:creationId xmlns:a16="http://schemas.microsoft.com/office/drawing/2014/main" id="{A9097DDA-934B-4291-8A3D-1A27FBDC8F9B}"/>
+              </a:ext>
+            </a:extLst>
+          </p:cNvPr>
+          <p:cNvPicPr>
+            <a:picLocks noChangeAspect="1"/>
+          </p:cNvPicPr>
+          <p:nvPr/>
+        </p:nvPicPr>
+        <p:blipFill>
+          <a:blip r:embed="rId6">
+            <a:extLst>
+              <a:ext uri="{28A0092B-C50C-407E-A947-70E740481C1C}">
+                <a14:useLocalDpi xmlns:a14="http://schemas.microsoft.com/office/drawing/2010/main" val="0"/>
+              </a:ext>
+            </a:extLst>
+          </a:blip>
+          <a:stretch>
+            <a:fillRect/>
+          </a:stretch>
+        </p:blipFill>
+        <p:spPr>
+          <a:xfrm>
+            <a:off x="2173357" y="709027"/>
+            <a:ext cx="4737616" cy="4737616"/>
+          </a:xfrm>
+          <a:prstGeom prst="rect">
+            <a:avLst/>
+          </a:prstGeom>
+        </p:spPr>
+      </p:pic>
+      <p:pic>
+        <p:nvPicPr>
+          <p:cNvPr id="6" name="圖片 5">
+            <a:extLst>
+              <a:ext uri="{FF2B5EF4-FFF2-40B4-BE49-F238E27FC236}">
+                <a16:creationId xmlns:a16="http://schemas.microsoft.com/office/drawing/2014/main" id="{9164FA2E-7CAA-427F-AD13-679957887FD7}"/>
+              </a:ext>
+            </a:extLst>
+          </p:cNvPr>
+          <p:cNvPicPr>
+            <a:picLocks noChangeAspect="1"/>
+          </p:cNvPicPr>
+          <p:nvPr/>
+        </p:nvPicPr>
+        <p:blipFill>
+          <a:blip r:embed="rId7">
+            <a:extLst>
+              <a:ext uri="{28A0092B-C50C-407E-A947-70E740481C1C}">
+                <a14:useLocalDpi xmlns:a14="http://schemas.microsoft.com/office/drawing/2010/main" val="0"/>
+              </a:ext>
+            </a:extLst>
+          </a:blip>
+          <a:stretch>
+            <a:fillRect/>
+          </a:stretch>
+        </p:blipFill>
+        <p:spPr>
+          <a:xfrm>
+            <a:off x="2173352" y="709026"/>
+            <a:ext cx="4737617" cy="4737617"/>
+          </a:xfrm>
+          <a:prstGeom prst="rect">
+            <a:avLst/>
+          </a:prstGeom>
+        </p:spPr>
+      </p:pic>
+    </p:spTree>
+    <p:extLst>
+      <p:ext uri="{BB962C8B-B14F-4D97-AF65-F5344CB8AC3E}">
+        <p14:creationId xmlns:p14="http://schemas.microsoft.com/office/powerpoint/2010/main" val="794227444"/>
+      </p:ext>
+    </p:extLst>
+  </p:cSld>
+  <p:clrMapOvr>
+    <a:masterClrMapping/>
+  </p:clrMapOvr>
+</p:sld>
+</file>
+
+<file path=ppt/slides/slide4.xml><?xml version="1.0" encoding="utf-8"?>
+<p:sld xmlns:a="http://schemas.openxmlformats.org/drawingml/2006/main" xmlns:r="http://schemas.openxmlformats.org/officeDocument/2006/relationships" xmlns:p="http://schemas.openxmlformats.org/presentationml/2006/main">
+  <p:cSld>
+    <p:spTree>
+      <p:nvGrpSpPr>
+        <p:cNvPr id="1" name=""/>
+        <p:cNvGrpSpPr/>
+        <p:nvPr/>
+      </p:nvGrpSpPr>
+      <p:grpSpPr>
+        <a:xfrm>
+          <a:off x="0" y="0"/>
+          <a:ext cx="0" cy="0"/>
+          <a:chOff x="0" y="0"/>
+          <a:chExt cx="0" cy="0"/>
+        </a:xfrm>
+      </p:grpSpPr>
+      <p:sp>
+        <p:nvSpPr>
+          <p:cNvPr id="2" name="矩形 1">
+            <a:extLst>
+              <a:ext uri="{FF2B5EF4-FFF2-40B4-BE49-F238E27FC236}">
+                <a16:creationId xmlns:a16="http://schemas.microsoft.com/office/drawing/2014/main" id="{D561257D-4141-45E7-B268-45966D973E82}"/>
+              </a:ext>
+            </a:extLst>
+          </p:cNvPr>
+          <p:cNvSpPr/>
+          <p:nvPr/>
+        </p:nvSpPr>
+        <p:spPr>
+          <a:xfrm>
+            <a:off x="231913" y="371131"/>
+            <a:ext cx="9289774" cy="5512834"/>
+          </a:xfrm>
+          <a:prstGeom prst="rect">
+            <a:avLst/>
+          </a:prstGeom>
+          <a:solidFill>
+            <a:srgbClr val="110B15"/>
+          </a:solidFill>
+        </p:spPr>
+        <p:style>
+          <a:lnRef idx="2">
+            <a:schemeClr val="accent1">
+              <a:shade val="50000"/>
+            </a:schemeClr>
+          </a:lnRef>
+          <a:fillRef idx="1">
+            <a:schemeClr val="accent1"/>
+          </a:fillRef>
+          <a:effectRef idx="0">
+            <a:schemeClr val="accent1"/>
+          </a:effectRef>
+          <a:fontRef idx="minor">
+            <a:schemeClr val="lt1"/>
+          </a:fontRef>
+        </p:style>
+        <p:txBody>
+          <a:bodyPr rtlCol="0" anchor="ctr"/>
+          <a:lstStyle/>
+          <a:p>
+            <a:pPr algn="ctr"/>
+            <a:endParaRPr lang="zh-TW" altLang="en-US"/>
+          </a:p>
+        </p:txBody>
+      </p:sp>
+      <p:pic>
+        <p:nvPicPr>
+          <p:cNvPr id="3" name="圖片 2">
+            <a:extLst>
+              <a:ext uri="{FF2B5EF4-FFF2-40B4-BE49-F238E27FC236}">
+                <a16:creationId xmlns:a16="http://schemas.microsoft.com/office/drawing/2014/main" id="{9AE9D86D-746C-4476-824F-83767DC1F609}"/>
+              </a:ext>
+            </a:extLst>
+          </p:cNvPr>
+          <p:cNvPicPr>
+            <a:picLocks noChangeAspect="1"/>
+          </p:cNvPicPr>
+          <p:nvPr/>
+        </p:nvPicPr>
+        <p:blipFill>
+          <a:blip r:embed="rId3">
+            <a:extLst>
+              <a:ext uri="{28A0092B-C50C-407E-A947-70E740481C1C}">
+                <a14:useLocalDpi xmlns:a14="http://schemas.microsoft.com/office/drawing/2010/main" val="0"/>
+              </a:ext>
+            </a:extLst>
+          </a:blip>
+          <a:stretch>
+            <a:fillRect/>
+          </a:stretch>
+        </p:blipFill>
+        <p:spPr>
+          <a:xfrm>
+            <a:off x="1" y="-1"/>
+            <a:ext cx="12192000" cy="6858001"/>
+          </a:xfrm>
+          <a:prstGeom prst="rect">
+            <a:avLst/>
+          </a:prstGeom>
+        </p:spPr>
+      </p:pic>
+      <p:pic>
+        <p:nvPicPr>
+          <p:cNvPr id="12" name="圖片 11">
+            <a:extLst>
+              <a:ext uri="{FF2B5EF4-FFF2-40B4-BE49-F238E27FC236}">
+                <a16:creationId xmlns:a16="http://schemas.microsoft.com/office/drawing/2014/main" id="{ADC7CFC2-A638-4751-AA92-812386CB4F05}"/>
+              </a:ext>
+            </a:extLst>
+          </p:cNvPr>
+          <p:cNvPicPr>
+            <a:picLocks noChangeAspect="1"/>
+          </p:cNvPicPr>
+          <p:nvPr/>
+        </p:nvPicPr>
+        <p:blipFill>
+          <a:blip r:embed="rId4">
+            <a:extLst>
+              <a:ext uri="{28A0092B-C50C-407E-A947-70E740481C1C}">
+                <a14:useLocalDpi xmlns:a14="http://schemas.microsoft.com/office/drawing/2010/main" val="0"/>
+              </a:ext>
+            </a:extLst>
+          </a:blip>
+          <a:stretch>
+            <a:fillRect/>
+          </a:stretch>
+        </p:blipFill>
+        <p:spPr>
+          <a:xfrm>
+            <a:off x="0" y="-11598"/>
+            <a:ext cx="12191997" cy="6857999"/>
+          </a:xfrm>
+          <a:prstGeom prst="rect">
+            <a:avLst/>
+          </a:prstGeom>
+        </p:spPr>
+      </p:pic>
+      <p:pic>
+        <p:nvPicPr>
+          <p:cNvPr id="22" name="圖片 21">
+            <a:extLst>
+              <a:ext uri="{FF2B5EF4-FFF2-40B4-BE49-F238E27FC236}">
+                <a16:creationId xmlns:a16="http://schemas.microsoft.com/office/drawing/2014/main" id="{1C59443E-FC71-4863-9A5E-3355EE36A564}"/>
+              </a:ext>
+            </a:extLst>
+          </p:cNvPr>
+          <p:cNvPicPr>
+            <a:picLocks noChangeAspect="1"/>
+          </p:cNvPicPr>
+          <p:nvPr/>
+        </p:nvPicPr>
+        <p:blipFill>
+          <a:blip r:embed="rId5">
+            <a:extLst>
+              <a:ext uri="{28A0092B-C50C-407E-A947-70E740481C1C}">
+                <a14:useLocalDpi xmlns:a14="http://schemas.microsoft.com/office/drawing/2010/main" val="0"/>
+              </a:ext>
+            </a:extLst>
+          </a:blip>
+          <a:stretch>
+            <a:fillRect/>
+          </a:stretch>
+        </p:blipFill>
+        <p:spPr>
+          <a:xfrm>
+            <a:off x="477082" y="5733007"/>
+            <a:ext cx="5573636" cy="753862"/>
+          </a:xfrm>
+          <a:prstGeom prst="rect">
+            <a:avLst/>
+          </a:prstGeom>
+        </p:spPr>
+      </p:pic>
+      <p:sp>
+        <p:nvSpPr>
+          <p:cNvPr id="23" name="文字方塊 22">
+            <a:extLst>
+              <a:ext uri="{FF2B5EF4-FFF2-40B4-BE49-F238E27FC236}">
+                <a16:creationId xmlns:a16="http://schemas.microsoft.com/office/drawing/2014/main" id="{882627A5-487B-4F41-8AF9-E0D77F969867}"/>
+              </a:ext>
+            </a:extLst>
+          </p:cNvPr>
+          <p:cNvSpPr txBox="1"/>
+          <p:nvPr/>
+        </p:nvSpPr>
+        <p:spPr>
+          <a:xfrm flipH="1">
+            <a:off x="2541047" y="5694439"/>
+            <a:ext cx="1567127" cy="830997"/>
+          </a:xfrm>
+          <a:prstGeom prst="rect">
+            <a:avLst/>
+          </a:prstGeom>
+          <a:noFill/>
+        </p:spPr>
+        <p:txBody>
+          <a:bodyPr wrap="square" rtlCol="0">
+            <a:spAutoFit/>
+          </a:bodyPr>
+          <a:lstStyle/>
+          <a:p>
+            <a:r>
+              <a:rPr lang="zh-TW" altLang="en-US" sz="4800" b="1" dirty="0">
+                <a:solidFill>
+                  <a:schemeClr val="bg1"/>
+                </a:solidFill>
+                <a:latin typeface="清松手寫體5" pitchFamily="2" charset="-120"/>
+                <a:ea typeface="清松手寫體5" pitchFamily="2" charset="-120"/>
+                <a:cs typeface="cjkFonts 全瀨體" panose="02000600000000000000" pitchFamily="2" charset="-120"/>
+              </a:rPr>
+              <a:t>努力</a:t>
+            </a:r>
+          </a:p>
+        </p:txBody>
+      </p:sp>
+      <p:pic>
+        <p:nvPicPr>
+          <p:cNvPr id="8" name="圖片 7">
+            <a:extLst>
+              <a:ext uri="{FF2B5EF4-FFF2-40B4-BE49-F238E27FC236}">
+                <a16:creationId xmlns:a16="http://schemas.microsoft.com/office/drawing/2014/main" id="{F92FA81C-2EC3-4EB3-8485-E211869DFFEA}"/>
+              </a:ext>
+            </a:extLst>
+          </p:cNvPr>
+          <p:cNvPicPr>
+            <a:picLocks noChangeAspect="1"/>
+          </p:cNvPicPr>
+          <p:nvPr/>
+        </p:nvPicPr>
+        <p:blipFill>
+          <a:blip r:embed="rId6">
+            <a:extLst>
+              <a:ext uri="{28A0092B-C50C-407E-A947-70E740481C1C}">
+                <a14:useLocalDpi xmlns:a14="http://schemas.microsoft.com/office/drawing/2010/main" val="0"/>
+              </a:ext>
+            </a:extLst>
+          </a:blip>
+          <a:stretch>
+            <a:fillRect/>
+          </a:stretch>
+        </p:blipFill>
+        <p:spPr>
+          <a:xfrm>
+            <a:off x="2173357" y="709027"/>
+            <a:ext cx="4737616" cy="4737616"/>
+          </a:xfrm>
+          <a:prstGeom prst="rect">
+            <a:avLst/>
+          </a:prstGeom>
+        </p:spPr>
+      </p:pic>
+      <p:pic>
+        <p:nvPicPr>
+          <p:cNvPr id="6" name="圖片 5">
+            <a:extLst>
+              <a:ext uri="{FF2B5EF4-FFF2-40B4-BE49-F238E27FC236}">
+                <a16:creationId xmlns:a16="http://schemas.microsoft.com/office/drawing/2014/main" id="{8ADF21A9-250A-4B28-B532-31EA77C13C0F}"/>
+              </a:ext>
+            </a:extLst>
+          </p:cNvPr>
+          <p:cNvPicPr>
+            <a:picLocks noChangeAspect="1"/>
+          </p:cNvPicPr>
+          <p:nvPr/>
+        </p:nvPicPr>
+        <p:blipFill>
+          <a:blip r:embed="rId7">
+            <a:extLst>
+              <a:ext uri="{28A0092B-C50C-407E-A947-70E740481C1C}">
+                <a14:useLocalDpi xmlns:a14="http://schemas.microsoft.com/office/drawing/2010/main" val="0"/>
+              </a:ext>
+            </a:extLst>
+          </a:blip>
+          <a:stretch>
+            <a:fillRect/>
+          </a:stretch>
+        </p:blipFill>
+        <p:spPr>
+          <a:xfrm>
+            <a:off x="2173357" y="681461"/>
+            <a:ext cx="4737616" cy="4737616"/>
+          </a:xfrm>
+          <a:prstGeom prst="rect">
+            <a:avLst/>
+          </a:prstGeom>
+        </p:spPr>
+      </p:pic>
+    </p:spTree>
+    <p:extLst>
+      <p:ext uri="{BB962C8B-B14F-4D97-AF65-F5344CB8AC3E}">
+        <p14:creationId xmlns:p14="http://schemas.microsoft.com/office/powerpoint/2010/main" val="3905494115"/>
+      </p:ext>
+    </p:extLst>
+  </p:cSld>
+  <p:clrMapOvr>
+    <a:masterClrMapping/>
+  </p:clrMapOvr>
+</p:sld>
+</file>
+
+<file path=ppt/slides/slide5.xml><?xml version="1.0" encoding="utf-8"?>
+<p:sld xmlns:a="http://schemas.openxmlformats.org/drawingml/2006/main" xmlns:r="http://schemas.openxmlformats.org/officeDocument/2006/relationships" xmlns:p="http://schemas.openxmlformats.org/presentationml/2006/main">
+  <p:cSld>
+    <p:spTree>
+      <p:nvGrpSpPr>
+        <p:cNvPr id="1" name=""/>
+        <p:cNvGrpSpPr/>
+        <p:nvPr/>
+      </p:nvGrpSpPr>
+      <p:grpSpPr>
+        <a:xfrm>
+          <a:off x="0" y="0"/>
+          <a:ext cx="0" cy="0"/>
+          <a:chOff x="0" y="0"/>
+          <a:chExt cx="0" cy="0"/>
+        </a:xfrm>
+      </p:grpSpPr>
+      <p:sp>
+        <p:nvSpPr>
+          <p:cNvPr id="2" name="矩形 1">
+            <a:extLst>
+              <a:ext uri="{FF2B5EF4-FFF2-40B4-BE49-F238E27FC236}">
+                <a16:creationId xmlns:a16="http://schemas.microsoft.com/office/drawing/2014/main" id="{D561257D-4141-45E7-B268-45966D973E82}"/>
+              </a:ext>
+            </a:extLst>
+          </p:cNvPr>
+          <p:cNvSpPr/>
+          <p:nvPr/>
+        </p:nvSpPr>
+        <p:spPr>
+          <a:xfrm>
+            <a:off x="231913" y="371131"/>
+            <a:ext cx="9289774" cy="5512834"/>
+          </a:xfrm>
+          <a:prstGeom prst="rect">
+            <a:avLst/>
+          </a:prstGeom>
+          <a:solidFill>
+            <a:srgbClr val="110B15"/>
+          </a:solidFill>
+        </p:spPr>
+        <p:style>
+          <a:lnRef idx="2">
+            <a:schemeClr val="accent1">
+              <a:shade val="50000"/>
+            </a:schemeClr>
+          </a:lnRef>
+          <a:fillRef idx="1">
+            <a:schemeClr val="accent1"/>
+          </a:fillRef>
+          <a:effectRef idx="0">
+            <a:schemeClr val="accent1"/>
+          </a:effectRef>
+          <a:fontRef idx="minor">
+            <a:schemeClr val="lt1"/>
+          </a:fontRef>
+        </p:style>
+        <p:txBody>
+          <a:bodyPr rtlCol="0" anchor="ctr"/>
+          <a:lstStyle/>
+          <a:p>
+            <a:pPr algn="ctr"/>
+            <a:endParaRPr lang="zh-TW" altLang="en-US"/>
+          </a:p>
+        </p:txBody>
+      </p:sp>
+      <p:pic>
+        <p:nvPicPr>
+          <p:cNvPr id="3" name="圖片 2">
+            <a:extLst>
+              <a:ext uri="{FF2B5EF4-FFF2-40B4-BE49-F238E27FC236}">
+                <a16:creationId xmlns:a16="http://schemas.microsoft.com/office/drawing/2014/main" id="{9AE9D86D-746C-4476-824F-83767DC1F609}"/>
+              </a:ext>
+            </a:extLst>
+          </p:cNvPr>
+          <p:cNvPicPr>
+            <a:picLocks noChangeAspect="1"/>
+          </p:cNvPicPr>
+          <p:nvPr/>
+        </p:nvPicPr>
+        <p:blipFill>
+          <a:blip r:embed="rId3">
+            <a:extLst>
+              <a:ext uri="{28A0092B-C50C-407E-A947-70E740481C1C}">
+                <a14:useLocalDpi xmlns:a14="http://schemas.microsoft.com/office/drawing/2010/main" val="0"/>
+              </a:ext>
+            </a:extLst>
+          </a:blip>
+          <a:stretch>
+            <a:fillRect/>
+          </a:stretch>
+        </p:blipFill>
+        <p:spPr>
+          <a:xfrm>
+            <a:off x="1" y="-1"/>
+            <a:ext cx="12192000" cy="6858001"/>
+          </a:xfrm>
+          <a:prstGeom prst="rect">
+            <a:avLst/>
+          </a:prstGeom>
+        </p:spPr>
+      </p:pic>
+      <p:pic>
+        <p:nvPicPr>
+          <p:cNvPr id="12" name="圖片 11">
+            <a:extLst>
+              <a:ext uri="{FF2B5EF4-FFF2-40B4-BE49-F238E27FC236}">
+                <a16:creationId xmlns:a16="http://schemas.microsoft.com/office/drawing/2014/main" id="{ADC7CFC2-A638-4751-AA92-812386CB4F05}"/>
+              </a:ext>
+            </a:extLst>
+          </p:cNvPr>
+          <p:cNvPicPr>
+            <a:picLocks noChangeAspect="1"/>
+          </p:cNvPicPr>
+          <p:nvPr/>
+        </p:nvPicPr>
+        <p:blipFill>
+          <a:blip r:embed="rId4">
+            <a:extLst>
+              <a:ext uri="{28A0092B-C50C-407E-A947-70E740481C1C}">
+                <a14:useLocalDpi xmlns:a14="http://schemas.microsoft.com/office/drawing/2010/main" val="0"/>
+              </a:ext>
+            </a:extLst>
+          </a:blip>
+          <a:stretch>
+            <a:fillRect/>
+          </a:stretch>
+        </p:blipFill>
+        <p:spPr>
+          <a:xfrm>
+            <a:off x="0" y="-11598"/>
+            <a:ext cx="12191997" cy="6857999"/>
+          </a:xfrm>
+          <a:prstGeom prst="rect">
+            <a:avLst/>
+          </a:prstGeom>
+        </p:spPr>
+      </p:pic>
+      <p:pic>
+        <p:nvPicPr>
+          <p:cNvPr id="22" name="圖片 21">
+            <a:extLst>
+              <a:ext uri="{FF2B5EF4-FFF2-40B4-BE49-F238E27FC236}">
+                <a16:creationId xmlns:a16="http://schemas.microsoft.com/office/drawing/2014/main" id="{1C59443E-FC71-4863-9A5E-3355EE36A564}"/>
+              </a:ext>
+            </a:extLst>
+          </p:cNvPr>
+          <p:cNvPicPr>
+            <a:picLocks noChangeAspect="1"/>
+          </p:cNvPicPr>
+          <p:nvPr/>
+        </p:nvPicPr>
+        <p:blipFill>
+          <a:blip r:embed="rId5">
+            <a:extLst>
+              <a:ext uri="{28A0092B-C50C-407E-A947-70E740481C1C}">
+                <a14:useLocalDpi xmlns:a14="http://schemas.microsoft.com/office/drawing/2010/main" val="0"/>
+              </a:ext>
+            </a:extLst>
+          </a:blip>
+          <a:stretch>
+            <a:fillRect/>
+          </a:stretch>
+        </p:blipFill>
+        <p:spPr>
+          <a:xfrm>
+            <a:off x="477082" y="5733007"/>
+            <a:ext cx="5573636" cy="753862"/>
+          </a:xfrm>
+          <a:prstGeom prst="rect">
+            <a:avLst/>
+          </a:prstGeom>
+        </p:spPr>
+      </p:pic>
+      <p:sp>
+        <p:nvSpPr>
+          <p:cNvPr id="23" name="文字方塊 22">
+            <a:extLst>
+              <a:ext uri="{FF2B5EF4-FFF2-40B4-BE49-F238E27FC236}">
+                <a16:creationId xmlns:a16="http://schemas.microsoft.com/office/drawing/2014/main" id="{882627A5-487B-4F41-8AF9-E0D77F969867}"/>
+              </a:ext>
+            </a:extLst>
+          </p:cNvPr>
+          <p:cNvSpPr txBox="1"/>
+          <p:nvPr/>
+        </p:nvSpPr>
+        <p:spPr>
+          <a:xfrm flipH="1">
+            <a:off x="2541047" y="5694439"/>
+            <a:ext cx="1567127" cy="830997"/>
+          </a:xfrm>
+          <a:prstGeom prst="rect">
+            <a:avLst/>
+          </a:prstGeom>
+          <a:noFill/>
+        </p:spPr>
+        <p:txBody>
+          <a:bodyPr wrap="square" rtlCol="0">
+            <a:spAutoFit/>
+          </a:bodyPr>
+          <a:lstStyle/>
+          <a:p>
+            <a:r>
+              <a:rPr lang="zh-TW" altLang="en-US" sz="4800" b="1" dirty="0">
+                <a:solidFill>
+                  <a:schemeClr val="bg1"/>
+                </a:solidFill>
+                <a:latin typeface="清松手寫體5" pitchFamily="2" charset="-120"/>
+                <a:ea typeface="清松手寫體5" pitchFamily="2" charset="-120"/>
+                <a:cs typeface="cjkFonts 全瀨體" panose="02000600000000000000" pitchFamily="2" charset="-120"/>
+              </a:rPr>
+              <a:t>結果</a:t>
+            </a:r>
+          </a:p>
+        </p:txBody>
+      </p:sp>
+      <p:pic>
+        <p:nvPicPr>
+          <p:cNvPr id="8" name="圖片 7">
+            <a:extLst>
+              <a:ext uri="{FF2B5EF4-FFF2-40B4-BE49-F238E27FC236}">
+                <a16:creationId xmlns:a16="http://schemas.microsoft.com/office/drawing/2014/main" id="{88502FC9-E636-48BD-AF81-83FB6FF0D54F}"/>
+              </a:ext>
+            </a:extLst>
+          </p:cNvPr>
+          <p:cNvPicPr>
+            <a:picLocks noChangeAspect="1"/>
+          </p:cNvPicPr>
+          <p:nvPr/>
+        </p:nvPicPr>
+        <p:blipFill>
+          <a:blip r:embed="rId6">
+            <a:extLst>
+              <a:ext uri="{28A0092B-C50C-407E-A947-70E740481C1C}">
+                <a14:useLocalDpi xmlns:a14="http://schemas.microsoft.com/office/drawing/2010/main" val="0"/>
+              </a:ext>
+            </a:extLst>
+          </a:blip>
+          <a:stretch>
+            <a:fillRect/>
+          </a:stretch>
+        </p:blipFill>
+        <p:spPr>
+          <a:xfrm>
+            <a:off x="2173357" y="709027"/>
+            <a:ext cx="4737616" cy="4737616"/>
+          </a:xfrm>
+          <a:prstGeom prst="rect">
+            <a:avLst/>
+          </a:prstGeom>
+        </p:spPr>
+      </p:pic>
+      <p:pic>
+        <p:nvPicPr>
+          <p:cNvPr id="6" name="圖片 5">
+            <a:extLst>
+              <a:ext uri="{FF2B5EF4-FFF2-40B4-BE49-F238E27FC236}">
+                <a16:creationId xmlns:a16="http://schemas.microsoft.com/office/drawing/2014/main" id="{4CFE2F40-186A-480E-BCC4-D8C2E9617F8F}"/>
+              </a:ext>
+            </a:extLst>
+          </p:cNvPr>
+          <p:cNvPicPr>
+            <a:picLocks noChangeAspect="1"/>
+          </p:cNvPicPr>
+          <p:nvPr/>
+        </p:nvPicPr>
+        <p:blipFill>
+          <a:blip r:embed="rId7">
+            <a:extLst>
+              <a:ext uri="{28A0092B-C50C-407E-A947-70E740481C1C}">
+                <a14:useLocalDpi xmlns:a14="http://schemas.microsoft.com/office/drawing/2010/main" val="0"/>
+              </a:ext>
+            </a:extLst>
+          </a:blip>
+          <a:stretch>
+            <a:fillRect/>
+          </a:stretch>
+        </p:blipFill>
+        <p:spPr>
+          <a:xfrm>
+            <a:off x="2173353" y="709027"/>
+            <a:ext cx="4737616" cy="4737616"/>
+          </a:xfrm>
+          <a:prstGeom prst="rect">
+            <a:avLst/>
+          </a:prstGeom>
+        </p:spPr>
+      </p:pic>
+    </p:spTree>
+    <p:extLst>
+      <p:ext uri="{BB962C8B-B14F-4D97-AF65-F5344CB8AC3E}">
+        <p14:creationId xmlns:p14="http://schemas.microsoft.com/office/powerpoint/2010/main" val="3272669036"/>
+      </p:ext>
+    </p:extLst>
+  </p:cSld>
+  <p:clrMapOvr>
+    <a:masterClrMapping/>
+  </p:clrMapOvr>
+</p:sld>
+</file>
+
+<file path=ppt/slides/slide6.xml><?xml version="1.0" encoding="utf-8"?>
+<p:sld xmlns:a="http://schemas.openxmlformats.org/drawingml/2006/main" xmlns:r="http://schemas.openxmlformats.org/officeDocument/2006/relationships" xmlns:p="http://schemas.openxmlformats.org/presentationml/2006/main">
+  <p:cSld>
+    <p:spTree>
+      <p:nvGrpSpPr>
+        <p:cNvPr id="1" name=""/>
+        <p:cNvGrpSpPr/>
+        <p:nvPr/>
+      </p:nvGrpSpPr>
+      <p:grpSpPr>
+        <a:xfrm>
+          <a:off x="0" y="0"/>
+          <a:ext cx="0" cy="0"/>
+          <a:chOff x="0" y="0"/>
+          <a:chExt cx="0" cy="0"/>
+        </a:xfrm>
+      </p:grpSpPr>
+      <p:sp>
+        <p:nvSpPr>
+          <p:cNvPr id="2" name="矩形 1">
+            <a:extLst>
+              <a:ext uri="{FF2B5EF4-FFF2-40B4-BE49-F238E27FC236}">
+                <a16:creationId xmlns:a16="http://schemas.microsoft.com/office/drawing/2014/main" id="{D561257D-4141-45E7-B268-45966D973E82}"/>
+              </a:ext>
+            </a:extLst>
+          </p:cNvPr>
+          <p:cNvSpPr/>
+          <p:nvPr/>
+        </p:nvSpPr>
+        <p:spPr>
+          <a:xfrm>
+            <a:off x="231913" y="371131"/>
+            <a:ext cx="9289774" cy="5512834"/>
+          </a:xfrm>
+          <a:prstGeom prst="rect">
+            <a:avLst/>
+          </a:prstGeom>
+          <a:solidFill>
+            <a:srgbClr val="110B15"/>
+          </a:solidFill>
+        </p:spPr>
+        <p:style>
+          <a:lnRef idx="2">
+            <a:schemeClr val="accent1">
+              <a:shade val="50000"/>
+            </a:schemeClr>
+          </a:lnRef>
+          <a:fillRef idx="1">
+            <a:schemeClr val="accent1"/>
+          </a:fillRef>
+          <a:effectRef idx="0">
+            <a:schemeClr val="accent1"/>
+          </a:effectRef>
+          <a:fontRef idx="minor">
+            <a:schemeClr val="lt1"/>
+          </a:fontRef>
+        </p:style>
+        <p:txBody>
+          <a:bodyPr rtlCol="0" anchor="ctr"/>
+          <a:lstStyle/>
+          <a:p>
+            <a:pPr algn="ctr"/>
+            <a:endParaRPr lang="zh-TW" altLang="en-US"/>
+          </a:p>
+        </p:txBody>
+      </p:sp>
+      <p:pic>
+        <p:nvPicPr>
+          <p:cNvPr id="3" name="圖片 2">
+            <a:extLst>
+              <a:ext uri="{FF2B5EF4-FFF2-40B4-BE49-F238E27FC236}">
+                <a16:creationId xmlns:a16="http://schemas.microsoft.com/office/drawing/2014/main" id="{9AE9D86D-746C-4476-824F-83767DC1F609}"/>
+              </a:ext>
+            </a:extLst>
+          </p:cNvPr>
+          <p:cNvPicPr>
+            <a:picLocks noChangeAspect="1"/>
+          </p:cNvPicPr>
+          <p:nvPr/>
+        </p:nvPicPr>
+        <p:blipFill>
+          <a:blip r:embed="rId3">
+            <a:extLst>
+              <a:ext uri="{28A0092B-C50C-407E-A947-70E740481C1C}">
+                <a14:useLocalDpi xmlns:a14="http://schemas.microsoft.com/office/drawing/2010/main" val="0"/>
+              </a:ext>
+            </a:extLst>
+          </a:blip>
+          <a:stretch>
+            <a:fillRect/>
+          </a:stretch>
+        </p:blipFill>
+        <p:spPr>
+          <a:xfrm>
+            <a:off x="1" y="-1"/>
+            <a:ext cx="12192000" cy="6858001"/>
+          </a:xfrm>
+          <a:prstGeom prst="rect">
+            <a:avLst/>
+          </a:prstGeom>
+        </p:spPr>
+      </p:pic>
+      <p:pic>
+        <p:nvPicPr>
+          <p:cNvPr id="12" name="圖片 11">
+            <a:extLst>
+              <a:ext uri="{FF2B5EF4-FFF2-40B4-BE49-F238E27FC236}">
+                <a16:creationId xmlns:a16="http://schemas.microsoft.com/office/drawing/2014/main" id="{ADC7CFC2-A638-4751-AA92-812386CB4F05}"/>
+              </a:ext>
+            </a:extLst>
+          </p:cNvPr>
+          <p:cNvPicPr>
+            <a:picLocks noChangeAspect="1"/>
+          </p:cNvPicPr>
+          <p:nvPr/>
+        </p:nvPicPr>
+        <p:blipFill>
+          <a:blip r:embed="rId4">
+            <a:extLst>
+              <a:ext uri="{28A0092B-C50C-407E-A947-70E740481C1C}">
+                <a14:useLocalDpi xmlns:a14="http://schemas.microsoft.com/office/drawing/2010/main" val="0"/>
+              </a:ext>
+            </a:extLst>
+          </a:blip>
+          <a:stretch>
+            <a:fillRect/>
+          </a:stretch>
+        </p:blipFill>
+        <p:spPr>
+          <a:xfrm>
+            <a:off x="0" y="-11598"/>
+            <a:ext cx="12191997" cy="6857999"/>
+          </a:xfrm>
+          <a:prstGeom prst="rect">
+            <a:avLst/>
+          </a:prstGeom>
+        </p:spPr>
+      </p:pic>
+      <p:pic>
+        <p:nvPicPr>
+          <p:cNvPr id="22" name="圖片 21">
+            <a:extLst>
+              <a:ext uri="{FF2B5EF4-FFF2-40B4-BE49-F238E27FC236}">
+                <a16:creationId xmlns:a16="http://schemas.microsoft.com/office/drawing/2014/main" id="{1C59443E-FC71-4863-9A5E-3355EE36A564}"/>
+              </a:ext>
+            </a:extLst>
+          </p:cNvPr>
+          <p:cNvPicPr>
+            <a:picLocks noChangeAspect="1"/>
+          </p:cNvPicPr>
+          <p:nvPr/>
+        </p:nvPicPr>
+        <p:blipFill>
+          <a:blip r:embed="rId5">
+            <a:extLst>
+              <a:ext uri="{28A0092B-C50C-407E-A947-70E740481C1C}">
+                <a14:useLocalDpi xmlns:a14="http://schemas.microsoft.com/office/drawing/2010/main" val="0"/>
+              </a:ext>
+            </a:extLst>
+          </a:blip>
+          <a:stretch>
+            <a:fillRect/>
+          </a:stretch>
+        </p:blipFill>
+        <p:spPr>
+          <a:xfrm>
+            <a:off x="477082" y="5733007"/>
+            <a:ext cx="5573636" cy="753862"/>
+          </a:xfrm>
+          <a:prstGeom prst="rect">
+            <a:avLst/>
+          </a:prstGeom>
+        </p:spPr>
+      </p:pic>
+      <p:sp>
+        <p:nvSpPr>
+          <p:cNvPr id="23" name="文字方塊 22">
+            <a:extLst>
+              <a:ext uri="{FF2B5EF4-FFF2-40B4-BE49-F238E27FC236}">
+                <a16:creationId xmlns:a16="http://schemas.microsoft.com/office/drawing/2014/main" id="{882627A5-487B-4F41-8AF9-E0D77F969867}"/>
+              </a:ext>
+            </a:extLst>
+          </p:cNvPr>
+          <p:cNvSpPr txBox="1"/>
+          <p:nvPr/>
+        </p:nvSpPr>
+        <p:spPr>
+          <a:xfrm flipH="1">
+            <a:off x="2541047" y="5694439"/>
+            <a:ext cx="1567127" cy="830997"/>
+          </a:xfrm>
+          <a:prstGeom prst="rect">
+            <a:avLst/>
+          </a:prstGeom>
+          <a:noFill/>
+        </p:spPr>
+        <p:txBody>
+          <a:bodyPr wrap="square" rtlCol="0">
+            <a:spAutoFit/>
+          </a:bodyPr>
+          <a:lstStyle/>
+          <a:p>
+            <a:r>
+              <a:rPr lang="zh-TW" altLang="en-US" sz="4800" b="1" dirty="0">
+                <a:solidFill>
+                  <a:schemeClr val="bg1"/>
+                </a:solidFill>
+                <a:latin typeface="清松手寫體5" pitchFamily="2" charset="-120"/>
+                <a:ea typeface="清松手寫體5" pitchFamily="2" charset="-120"/>
+                <a:cs typeface="cjkFonts 全瀨體" panose="02000600000000000000" pitchFamily="2" charset="-120"/>
+              </a:rPr>
+              <a:t>意外</a:t>
+            </a:r>
+          </a:p>
+        </p:txBody>
+      </p:sp>
+      <p:pic>
+        <p:nvPicPr>
+          <p:cNvPr id="8" name="圖片 7">
+            <a:extLst>
+              <a:ext uri="{FF2B5EF4-FFF2-40B4-BE49-F238E27FC236}">
+                <a16:creationId xmlns:a16="http://schemas.microsoft.com/office/drawing/2014/main" id="{5BBA29FE-4F48-4203-9E90-30C3732ABA56}"/>
+              </a:ext>
+            </a:extLst>
+          </p:cNvPr>
+          <p:cNvPicPr>
+            <a:picLocks noChangeAspect="1"/>
+          </p:cNvPicPr>
+          <p:nvPr/>
+        </p:nvPicPr>
+        <p:blipFill>
+          <a:blip r:embed="rId6">
+            <a:extLst>
+              <a:ext uri="{28A0092B-C50C-407E-A947-70E740481C1C}">
+                <a14:useLocalDpi xmlns:a14="http://schemas.microsoft.com/office/drawing/2010/main" val="0"/>
+              </a:ext>
+            </a:extLst>
+          </a:blip>
+          <a:stretch>
+            <a:fillRect/>
+          </a:stretch>
+        </p:blipFill>
+        <p:spPr>
+          <a:xfrm>
+            <a:off x="2173357" y="709027"/>
+            <a:ext cx="4737616" cy="4737616"/>
+          </a:xfrm>
+          <a:prstGeom prst="rect">
+            <a:avLst/>
+          </a:prstGeom>
+        </p:spPr>
+      </p:pic>
+      <p:pic>
+        <p:nvPicPr>
+          <p:cNvPr id="11" name="圖片 10">
+            <a:extLst>
+              <a:ext uri="{FF2B5EF4-FFF2-40B4-BE49-F238E27FC236}">
+                <a16:creationId xmlns:a16="http://schemas.microsoft.com/office/drawing/2014/main" id="{4A8D50DA-7D2D-4758-BA3A-C28D244F3EC9}"/>
+              </a:ext>
+            </a:extLst>
+          </p:cNvPr>
+          <p:cNvPicPr>
+            <a:picLocks noChangeAspect="1"/>
+          </p:cNvPicPr>
+          <p:nvPr/>
+        </p:nvPicPr>
+        <p:blipFill>
+          <a:blip r:embed="rId7">
+            <a:extLst>
+              <a:ext uri="{28A0092B-C50C-407E-A947-70E740481C1C}">
+                <a14:useLocalDpi xmlns:a14="http://schemas.microsoft.com/office/drawing/2010/main" val="0"/>
+              </a:ext>
+            </a:extLst>
+          </a:blip>
+          <a:stretch>
+            <a:fillRect/>
+          </a:stretch>
+        </p:blipFill>
+        <p:spPr>
+          <a:xfrm>
+            <a:off x="2173353" y="709027"/>
+            <a:ext cx="4737616" cy="4737616"/>
+          </a:xfrm>
+          <a:prstGeom prst="rect">
+            <a:avLst/>
+          </a:prstGeom>
+        </p:spPr>
+      </p:pic>
+    </p:spTree>
+    <p:extLst>
+      <p:ext uri="{BB962C8B-B14F-4D97-AF65-F5344CB8AC3E}">
+        <p14:creationId xmlns:p14="http://schemas.microsoft.com/office/powerpoint/2010/main" val="3514580024"/>
+      </p:ext>
+    </p:extLst>
+  </p:cSld>
+  <p:clrMapOvr>
+    <a:masterClrMapping/>
+  </p:clrMapOvr>
+</p:sld>
+</file>
+
+<file path=ppt/slides/slide7.xml><?xml version="1.0" encoding="utf-8"?>
+<p:sld xmlns:a="http://schemas.openxmlformats.org/drawingml/2006/main" xmlns:r="http://schemas.openxmlformats.org/officeDocument/2006/relationships" xmlns:p="http://schemas.openxmlformats.org/presentationml/2006/main">
+  <p:cSld>
+    <p:spTree>
+      <p:nvGrpSpPr>
+        <p:cNvPr id="1" name=""/>
+        <p:cNvGrpSpPr/>
+        <p:nvPr/>
+      </p:nvGrpSpPr>
+      <p:grpSpPr>
+        <a:xfrm>
+          <a:off x="0" y="0"/>
+          <a:ext cx="0" cy="0"/>
+          <a:chOff x="0" y="0"/>
+          <a:chExt cx="0" cy="0"/>
+        </a:xfrm>
+      </p:grpSpPr>
+      <p:sp>
+        <p:nvSpPr>
+          <p:cNvPr id="2" name="矩形 1">
+            <a:extLst>
+              <a:ext uri="{FF2B5EF4-FFF2-40B4-BE49-F238E27FC236}">
+                <a16:creationId xmlns:a16="http://schemas.microsoft.com/office/drawing/2014/main" id="{D561257D-4141-45E7-B268-45966D973E82}"/>
+              </a:ext>
+            </a:extLst>
+          </p:cNvPr>
+          <p:cNvSpPr/>
+          <p:nvPr/>
+        </p:nvSpPr>
+        <p:spPr>
+          <a:xfrm>
+            <a:off x="231913" y="371131"/>
+            <a:ext cx="9289774" cy="5512834"/>
+          </a:xfrm>
+          <a:prstGeom prst="rect">
+            <a:avLst/>
+          </a:prstGeom>
+          <a:solidFill>
+            <a:srgbClr val="110B15"/>
+          </a:solidFill>
+        </p:spPr>
+        <p:style>
+          <a:lnRef idx="2">
+            <a:schemeClr val="accent1">
+              <a:shade val="50000"/>
+            </a:schemeClr>
+          </a:lnRef>
+          <a:fillRef idx="1">
+            <a:schemeClr val="accent1"/>
+          </a:fillRef>
+          <a:effectRef idx="0">
+            <a:schemeClr val="accent1"/>
+          </a:effectRef>
+          <a:fontRef idx="minor">
+            <a:schemeClr val="lt1"/>
+          </a:fontRef>
+        </p:style>
+        <p:txBody>
+          <a:bodyPr rtlCol="0" anchor="ctr"/>
+          <a:lstStyle/>
+          <a:p>
+            <a:pPr algn="ctr"/>
+            <a:endParaRPr lang="zh-TW" altLang="en-US"/>
+          </a:p>
+        </p:txBody>
+      </p:sp>
+      <p:pic>
+        <p:nvPicPr>
+          <p:cNvPr id="3" name="圖片 2">
+            <a:extLst>
+              <a:ext uri="{FF2B5EF4-FFF2-40B4-BE49-F238E27FC236}">
+                <a16:creationId xmlns:a16="http://schemas.microsoft.com/office/drawing/2014/main" id="{9AE9D86D-746C-4476-824F-83767DC1F609}"/>
+              </a:ext>
+            </a:extLst>
+          </p:cNvPr>
+          <p:cNvPicPr>
+            <a:picLocks noChangeAspect="1"/>
+          </p:cNvPicPr>
+          <p:nvPr/>
+        </p:nvPicPr>
+        <p:blipFill>
+          <a:blip r:embed="rId3">
+            <a:extLst>
+              <a:ext uri="{28A0092B-C50C-407E-A947-70E740481C1C}">
+                <a14:useLocalDpi xmlns:a14="http://schemas.microsoft.com/office/drawing/2010/main" val="0"/>
+              </a:ext>
+            </a:extLst>
+          </a:blip>
+          <a:stretch>
+            <a:fillRect/>
+          </a:stretch>
+        </p:blipFill>
+        <p:spPr>
+          <a:xfrm>
+            <a:off x="1" y="-1"/>
+            <a:ext cx="12192000" cy="6858001"/>
+          </a:xfrm>
+          <a:prstGeom prst="rect">
+            <a:avLst/>
+          </a:prstGeom>
+        </p:spPr>
+      </p:pic>
+      <p:pic>
+        <p:nvPicPr>
+          <p:cNvPr id="12" name="圖片 11">
+            <a:extLst>
+              <a:ext uri="{FF2B5EF4-FFF2-40B4-BE49-F238E27FC236}">
+                <a16:creationId xmlns:a16="http://schemas.microsoft.com/office/drawing/2014/main" id="{ADC7CFC2-A638-4751-AA92-812386CB4F05}"/>
+              </a:ext>
+            </a:extLst>
+          </p:cNvPr>
+          <p:cNvPicPr>
+            <a:picLocks noChangeAspect="1"/>
+          </p:cNvPicPr>
+          <p:nvPr/>
+        </p:nvPicPr>
+        <p:blipFill>
+          <a:blip r:embed="rId4">
+            <a:extLst>
+              <a:ext uri="{28A0092B-C50C-407E-A947-70E740481C1C}">
+                <a14:useLocalDpi xmlns:a14="http://schemas.microsoft.com/office/drawing/2010/main" val="0"/>
+              </a:ext>
+            </a:extLst>
+          </a:blip>
+          <a:stretch>
+            <a:fillRect/>
+          </a:stretch>
+        </p:blipFill>
+        <p:spPr>
+          <a:xfrm>
+            <a:off x="0" y="-11598"/>
+            <a:ext cx="12191997" cy="6857999"/>
+          </a:xfrm>
+          <a:prstGeom prst="rect">
+            <a:avLst/>
+          </a:prstGeom>
+        </p:spPr>
+      </p:pic>
+      <p:pic>
+        <p:nvPicPr>
+          <p:cNvPr id="22" name="圖片 21">
+            <a:extLst>
+              <a:ext uri="{FF2B5EF4-FFF2-40B4-BE49-F238E27FC236}">
+                <a16:creationId xmlns:a16="http://schemas.microsoft.com/office/drawing/2014/main" id="{1C59443E-FC71-4863-9A5E-3355EE36A564}"/>
+              </a:ext>
+            </a:extLst>
+          </p:cNvPr>
+          <p:cNvPicPr>
+            <a:picLocks noChangeAspect="1"/>
+          </p:cNvPicPr>
+          <p:nvPr/>
+        </p:nvPicPr>
+        <p:blipFill>
+          <a:blip r:embed="rId5">
+            <a:extLst>
+              <a:ext uri="{28A0092B-C50C-407E-A947-70E740481C1C}">
+                <a14:useLocalDpi xmlns:a14="http://schemas.microsoft.com/office/drawing/2010/main" val="0"/>
+              </a:ext>
+            </a:extLst>
+          </a:blip>
+          <a:stretch>
+            <a:fillRect/>
+          </a:stretch>
+        </p:blipFill>
+        <p:spPr>
+          <a:xfrm>
+            <a:off x="477082" y="5733007"/>
+            <a:ext cx="5573636" cy="753862"/>
+          </a:xfrm>
+          <a:prstGeom prst="rect">
+            <a:avLst/>
+          </a:prstGeom>
+        </p:spPr>
+      </p:pic>
+      <p:sp>
+        <p:nvSpPr>
+          <p:cNvPr id="23" name="文字方塊 22">
+            <a:extLst>
+              <a:ext uri="{FF2B5EF4-FFF2-40B4-BE49-F238E27FC236}">
+                <a16:creationId xmlns:a16="http://schemas.microsoft.com/office/drawing/2014/main" id="{882627A5-487B-4F41-8AF9-E0D77F969867}"/>
+              </a:ext>
+            </a:extLst>
+          </p:cNvPr>
+          <p:cNvSpPr txBox="1"/>
+          <p:nvPr/>
+        </p:nvSpPr>
+        <p:spPr>
+          <a:xfrm flipH="1">
+            <a:off x="2541047" y="5694439"/>
+            <a:ext cx="1567127" cy="830997"/>
+          </a:xfrm>
+          <a:prstGeom prst="rect">
+            <a:avLst/>
+          </a:prstGeom>
+          <a:noFill/>
+        </p:spPr>
+        <p:txBody>
+          <a:bodyPr wrap="square" rtlCol="0">
+            <a:spAutoFit/>
+          </a:bodyPr>
+          <a:lstStyle/>
+          <a:p>
+            <a:r>
+              <a:rPr lang="zh-TW" altLang="en-US" sz="4800" b="1" dirty="0">
+                <a:solidFill>
+                  <a:schemeClr val="bg1"/>
+                </a:solidFill>
+                <a:latin typeface="清松手寫體5" pitchFamily="2" charset="-120"/>
+                <a:ea typeface="清松手寫體5" pitchFamily="2" charset="-120"/>
+                <a:cs typeface="cjkFonts 全瀨體" panose="02000600000000000000" pitchFamily="2" charset="-120"/>
+              </a:rPr>
+              <a:t>轉彎</a:t>
+            </a:r>
+          </a:p>
+        </p:txBody>
+      </p:sp>
+      <p:pic>
+        <p:nvPicPr>
+          <p:cNvPr id="8" name="圖片 7">
+            <a:extLst>
+              <a:ext uri="{FF2B5EF4-FFF2-40B4-BE49-F238E27FC236}">
+                <a16:creationId xmlns:a16="http://schemas.microsoft.com/office/drawing/2014/main" id="{1D8C7E8D-3FC4-475D-BECE-EE177D40D6BF}"/>
+              </a:ext>
+            </a:extLst>
+          </p:cNvPr>
+          <p:cNvPicPr>
+            <a:picLocks noChangeAspect="1"/>
+          </p:cNvPicPr>
+          <p:nvPr/>
+        </p:nvPicPr>
+        <p:blipFill>
+          <a:blip r:embed="rId6">
+            <a:extLst>
+              <a:ext uri="{28A0092B-C50C-407E-A947-70E740481C1C}">
+                <a14:useLocalDpi xmlns:a14="http://schemas.microsoft.com/office/drawing/2010/main" val="0"/>
+              </a:ext>
+            </a:extLst>
+          </a:blip>
+          <a:stretch>
+            <a:fillRect/>
+          </a:stretch>
+        </p:blipFill>
+        <p:spPr>
+          <a:xfrm>
+            <a:off x="2173357" y="709027"/>
+            <a:ext cx="4737616" cy="4737616"/>
+          </a:xfrm>
+          <a:prstGeom prst="rect">
+            <a:avLst/>
+          </a:prstGeom>
+        </p:spPr>
+      </p:pic>
+      <p:pic>
+        <p:nvPicPr>
+          <p:cNvPr id="11" name="圖片 10">
+            <a:extLst>
+              <a:ext uri="{FF2B5EF4-FFF2-40B4-BE49-F238E27FC236}">
+                <a16:creationId xmlns:a16="http://schemas.microsoft.com/office/drawing/2014/main" id="{458B5D60-5CB5-4558-9E45-35FB1C6B5EDA}"/>
+              </a:ext>
+            </a:extLst>
+          </p:cNvPr>
+          <p:cNvPicPr>
+            <a:picLocks noChangeAspect="1"/>
+          </p:cNvPicPr>
+          <p:nvPr/>
+        </p:nvPicPr>
+        <p:blipFill>
+          <a:blip r:embed="rId7">
+            <a:extLst>
+              <a:ext uri="{28A0092B-C50C-407E-A947-70E740481C1C}">
+                <a14:useLocalDpi xmlns:a14="http://schemas.microsoft.com/office/drawing/2010/main" val="0"/>
+              </a:ext>
+            </a:extLst>
+          </a:blip>
+          <a:stretch>
+            <a:fillRect/>
+          </a:stretch>
+        </p:blipFill>
+        <p:spPr>
+          <a:xfrm>
+            <a:off x="2173358" y="709028"/>
+            <a:ext cx="4737616" cy="4737616"/>
+          </a:xfrm>
+          <a:prstGeom prst="rect">
+            <a:avLst/>
+          </a:prstGeom>
+        </p:spPr>
+      </p:pic>
+    </p:spTree>
+    <p:extLst>
+      <p:ext uri="{BB962C8B-B14F-4D97-AF65-F5344CB8AC3E}">
+        <p14:creationId xmlns:p14="http://schemas.microsoft.com/office/powerpoint/2010/main" val="3872573526"/>
+      </p:ext>
+    </p:extLst>
+  </p:cSld>
+  <p:clrMapOvr>
+    <a:masterClrMapping/>
+  </p:clrMapOvr>
+</p:sld>
+</file>
+
+<file path=ppt/slides/slide8.xml><?xml version="1.0" encoding="utf-8"?>
+<p:sld xmlns:a="http://schemas.openxmlformats.org/drawingml/2006/main" xmlns:r="http://schemas.openxmlformats.org/officeDocument/2006/relationships" xmlns:p="http://schemas.openxmlformats.org/presentationml/2006/main">
+  <p:cSld>
+    <p:spTree>
+      <p:nvGrpSpPr>
+        <p:cNvPr id="1" name=""/>
+        <p:cNvGrpSpPr/>
+        <p:nvPr/>
+      </p:nvGrpSpPr>
+      <p:grpSpPr>
+        <a:xfrm>
+          <a:off x="0" y="0"/>
+          <a:ext cx="0" cy="0"/>
+          <a:chOff x="0" y="0"/>
+          <a:chExt cx="0" cy="0"/>
+        </a:xfrm>
+      </p:grpSpPr>
+      <p:sp>
+        <p:nvSpPr>
+          <p:cNvPr id="2" name="矩形 1">
+            <a:extLst>
+              <a:ext uri="{FF2B5EF4-FFF2-40B4-BE49-F238E27FC236}">
+                <a16:creationId xmlns:a16="http://schemas.microsoft.com/office/drawing/2014/main" id="{D561257D-4141-45E7-B268-45966D973E82}"/>
+              </a:ext>
+            </a:extLst>
+          </p:cNvPr>
+          <p:cNvSpPr/>
+          <p:nvPr/>
+        </p:nvSpPr>
+        <p:spPr>
+          <a:xfrm>
+            <a:off x="231913" y="371131"/>
+            <a:ext cx="9289774" cy="5512834"/>
+          </a:xfrm>
+          <a:prstGeom prst="rect">
+            <a:avLst/>
+          </a:prstGeom>
+          <a:solidFill>
+            <a:srgbClr val="110B15"/>
+          </a:solidFill>
+        </p:spPr>
+        <p:style>
+          <a:lnRef idx="2">
+            <a:schemeClr val="accent1">
+              <a:shade val="50000"/>
+            </a:schemeClr>
+          </a:lnRef>
+          <a:fillRef idx="1">
+            <a:schemeClr val="accent1"/>
+          </a:fillRef>
+          <a:effectRef idx="0">
+            <a:schemeClr val="accent1"/>
+          </a:effectRef>
+          <a:fontRef idx="minor">
+            <a:schemeClr val="lt1"/>
+          </a:fontRef>
+        </p:style>
+        <p:txBody>
+          <a:bodyPr rtlCol="0" anchor="ctr"/>
+          <a:lstStyle/>
+          <a:p>
+            <a:pPr algn="ctr"/>
+            <a:endParaRPr lang="zh-TW" altLang="en-US"/>
+          </a:p>
+        </p:txBody>
+      </p:sp>
+      <p:pic>
+        <p:nvPicPr>
+          <p:cNvPr id="3" name="圖片 2">
+            <a:extLst>
+              <a:ext uri="{FF2B5EF4-FFF2-40B4-BE49-F238E27FC236}">
+                <a16:creationId xmlns:a16="http://schemas.microsoft.com/office/drawing/2014/main" id="{9AE9D86D-746C-4476-824F-83767DC1F609}"/>
+              </a:ext>
+            </a:extLst>
+          </p:cNvPr>
+          <p:cNvPicPr>
+            <a:picLocks noChangeAspect="1"/>
+          </p:cNvPicPr>
+          <p:nvPr/>
+        </p:nvPicPr>
+        <p:blipFill>
+          <a:blip r:embed="rId3">
+            <a:extLst>
+              <a:ext uri="{28A0092B-C50C-407E-A947-70E740481C1C}">
+                <a14:useLocalDpi xmlns:a14="http://schemas.microsoft.com/office/drawing/2010/main" val="0"/>
+              </a:ext>
+            </a:extLst>
+          </a:blip>
+          <a:stretch>
+            <a:fillRect/>
+          </a:stretch>
+        </p:blipFill>
+        <p:spPr>
+          <a:xfrm>
+            <a:off x="1" y="-1"/>
+            <a:ext cx="12192000" cy="6858001"/>
+          </a:xfrm>
+          <a:prstGeom prst="rect">
+            <a:avLst/>
+          </a:prstGeom>
+        </p:spPr>
+      </p:pic>
+      <p:pic>
+        <p:nvPicPr>
+          <p:cNvPr id="12" name="圖片 11">
+            <a:extLst>
+              <a:ext uri="{FF2B5EF4-FFF2-40B4-BE49-F238E27FC236}">
+                <a16:creationId xmlns:a16="http://schemas.microsoft.com/office/drawing/2014/main" id="{ADC7CFC2-A638-4751-AA92-812386CB4F05}"/>
+              </a:ext>
+            </a:extLst>
+          </p:cNvPr>
+          <p:cNvPicPr>
+            <a:picLocks noChangeAspect="1"/>
+          </p:cNvPicPr>
+          <p:nvPr/>
+        </p:nvPicPr>
+        <p:blipFill>
+          <a:blip r:embed="rId4">
+            <a:extLst>
+              <a:ext uri="{28A0092B-C50C-407E-A947-70E740481C1C}">
+                <a14:useLocalDpi xmlns:a14="http://schemas.microsoft.com/office/drawing/2010/main" val="0"/>
+              </a:ext>
+            </a:extLst>
+          </a:blip>
+          <a:stretch>
+            <a:fillRect/>
+          </a:stretch>
+        </p:blipFill>
+        <p:spPr>
+          <a:xfrm>
+            <a:off x="0" y="-11598"/>
+            <a:ext cx="12191997" cy="6857999"/>
+          </a:xfrm>
+          <a:prstGeom prst="rect">
+            <a:avLst/>
+          </a:prstGeom>
+        </p:spPr>
+      </p:pic>
+      <p:pic>
+        <p:nvPicPr>
+          <p:cNvPr id="22" name="圖片 21">
+            <a:extLst>
+              <a:ext uri="{FF2B5EF4-FFF2-40B4-BE49-F238E27FC236}">
+                <a16:creationId xmlns:a16="http://schemas.microsoft.com/office/drawing/2014/main" id="{1C59443E-FC71-4863-9A5E-3355EE36A564}"/>
+              </a:ext>
+            </a:extLst>
+          </p:cNvPr>
+          <p:cNvPicPr>
+            <a:picLocks noChangeAspect="1"/>
+          </p:cNvPicPr>
+          <p:nvPr/>
+        </p:nvPicPr>
+        <p:blipFill>
+          <a:blip r:embed="rId5">
+            <a:extLst>
+              <a:ext uri="{28A0092B-C50C-407E-A947-70E740481C1C}">
+                <a14:useLocalDpi xmlns:a14="http://schemas.microsoft.com/office/drawing/2010/main" val="0"/>
+              </a:ext>
+            </a:extLst>
+          </a:blip>
+          <a:stretch>
+            <a:fillRect/>
+          </a:stretch>
+        </p:blipFill>
+        <p:spPr>
+          <a:xfrm>
+            <a:off x="477082" y="5733007"/>
+            <a:ext cx="5573636" cy="753862"/>
+          </a:xfrm>
+          <a:prstGeom prst="rect">
+            <a:avLst/>
+          </a:prstGeom>
+        </p:spPr>
+      </p:pic>
+      <p:sp>
+        <p:nvSpPr>
+          <p:cNvPr id="23" name="文字方塊 22">
+            <a:extLst>
+              <a:ext uri="{FF2B5EF4-FFF2-40B4-BE49-F238E27FC236}">
+                <a16:creationId xmlns:a16="http://schemas.microsoft.com/office/drawing/2014/main" id="{882627A5-487B-4F41-8AF9-E0D77F969867}"/>
+              </a:ext>
+            </a:extLst>
+          </p:cNvPr>
+          <p:cNvSpPr txBox="1"/>
+          <p:nvPr/>
+        </p:nvSpPr>
+        <p:spPr>
+          <a:xfrm flipH="1">
+            <a:off x="2541047" y="5694439"/>
+            <a:ext cx="1567127" cy="830997"/>
+          </a:xfrm>
+          <a:prstGeom prst="rect">
+            <a:avLst/>
+          </a:prstGeom>
+          <a:noFill/>
+        </p:spPr>
+        <p:txBody>
+          <a:bodyPr wrap="square" rtlCol="0">
+            <a:spAutoFit/>
+          </a:bodyPr>
+          <a:lstStyle/>
+          <a:p>
+            <a:r>
+              <a:rPr lang="zh-TW" altLang="en-US" sz="4800" b="1" dirty="0">
+                <a:solidFill>
+                  <a:schemeClr val="bg1"/>
+                </a:solidFill>
+                <a:latin typeface="清松手寫體5" pitchFamily="2" charset="-120"/>
+                <a:ea typeface="清松手寫體5" pitchFamily="2" charset="-120"/>
+                <a:cs typeface="cjkFonts 全瀨體" panose="02000600000000000000" pitchFamily="2" charset="-120"/>
+              </a:rPr>
+              <a:t>結局</a:t>
+            </a:r>
+          </a:p>
+        </p:txBody>
+      </p:sp>
+      <p:pic>
+        <p:nvPicPr>
+          <p:cNvPr id="8" name="圖片 7">
+            <a:extLst>
+              <a:ext uri="{FF2B5EF4-FFF2-40B4-BE49-F238E27FC236}">
+                <a16:creationId xmlns:a16="http://schemas.microsoft.com/office/drawing/2014/main" id="{BC455B42-6AA8-4982-8A33-BB97F8B6401D}"/>
+              </a:ext>
+            </a:extLst>
+          </p:cNvPr>
+          <p:cNvPicPr>
+            <a:picLocks noChangeAspect="1"/>
+          </p:cNvPicPr>
+          <p:nvPr/>
+        </p:nvPicPr>
+        <p:blipFill>
+          <a:blip r:embed="rId6">
+            <a:extLst>
+              <a:ext uri="{28A0092B-C50C-407E-A947-70E740481C1C}">
+                <a14:useLocalDpi xmlns:a14="http://schemas.microsoft.com/office/drawing/2010/main" val="0"/>
+              </a:ext>
+            </a:extLst>
+          </a:blip>
+          <a:stretch>
+            <a:fillRect/>
+          </a:stretch>
+        </p:blipFill>
+        <p:spPr>
+          <a:xfrm>
+            <a:off x="2173357" y="709027"/>
+            <a:ext cx="4737616" cy="4737616"/>
+          </a:xfrm>
+          <a:prstGeom prst="rect">
+            <a:avLst/>
+          </a:prstGeom>
+        </p:spPr>
+      </p:pic>
+      <p:pic>
+        <p:nvPicPr>
+          <p:cNvPr id="6" name="圖片 5">
+            <a:extLst>
+              <a:ext uri="{FF2B5EF4-FFF2-40B4-BE49-F238E27FC236}">
+                <a16:creationId xmlns:a16="http://schemas.microsoft.com/office/drawing/2014/main" id="{78191D53-8C8D-4B21-BEC7-71C1470362A9}"/>
+              </a:ext>
+            </a:extLst>
+          </p:cNvPr>
+          <p:cNvPicPr>
+            <a:picLocks noChangeAspect="1"/>
+          </p:cNvPicPr>
+          <p:nvPr/>
+        </p:nvPicPr>
+        <p:blipFill>
+          <a:blip r:embed="rId7">
+            <a:extLst>
+              <a:ext uri="{28A0092B-C50C-407E-A947-70E740481C1C}">
+                <a14:useLocalDpi xmlns:a14="http://schemas.microsoft.com/office/drawing/2010/main" val="0"/>
+              </a:ext>
+            </a:extLst>
+          </a:blip>
+          <a:stretch>
+            <a:fillRect/>
+          </a:stretch>
+        </p:blipFill>
+        <p:spPr>
+          <a:xfrm>
+            <a:off x="2173353" y="718406"/>
+            <a:ext cx="4728237" cy="4728237"/>
+          </a:xfrm>
+          <a:prstGeom prst="rect">
+            <a:avLst/>
+          </a:prstGeom>
+        </p:spPr>
+      </p:pic>
+    </p:spTree>
+    <p:extLst>
+      <p:ext uri="{BB962C8B-B14F-4D97-AF65-F5344CB8AC3E}">
+        <p14:creationId xmlns:p14="http://schemas.microsoft.com/office/powerpoint/2010/main" val="15410141"/>
       </p:ext>
     </p:extLst>
   </p:cSld>
@@ -3677,4 +6985,299 @@
     </a:ext>
   </a:extLst>
 </a:theme>
+</file>
+
+<file path=ppt/theme/theme2.xml><?xml version="1.0" encoding="utf-8"?>
+<a:theme xmlns:a="http://schemas.openxmlformats.org/drawingml/2006/main" name="Office 佈景主題">
+  <a:themeElements>
+    <a:clrScheme name="Office">
+      <a:dk1>
+        <a:sysClr val="windowText" lastClr="000000"/>
+      </a:dk1>
+      <a:lt1>
+        <a:sysClr val="window" lastClr="FFFFFF"/>
+      </a:lt1>
+      <a:dk2>
+        <a:srgbClr val="44546A"/>
+      </a:dk2>
+      <a:lt2>
+        <a:srgbClr val="E7E6E6"/>
+      </a:lt2>
+      <a:accent1>
+        <a:srgbClr val="4472C4"/>
+      </a:accent1>
+      <a:accent2>
+        <a:srgbClr val="ED7D31"/>
+      </a:accent2>
+      <a:accent3>
+        <a:srgbClr val="A5A5A5"/>
+      </a:accent3>
+      <a:accent4>
+        <a:srgbClr val="FFC000"/>
+      </a:accent4>
+      <a:accent5>
+        <a:srgbClr val="5B9BD5"/>
+      </a:accent5>
+      <a:accent6>
+        <a:srgbClr val="70AD47"/>
+      </a:accent6>
+      <a:hlink>
+        <a:srgbClr val="0563C1"/>
+      </a:hlink>
+      <a:folHlink>
+        <a:srgbClr val="954F72"/>
+      </a:folHlink>
+    </a:clrScheme>
+    <a:fontScheme name="Office">
+      <a:majorFont>
+        <a:latin typeface="Calibri Light" panose="020F0302020204030204"/>
+        <a:ea typeface=""/>
+        <a:cs typeface=""/>
+        <a:font script="Jpan" typeface="游ゴシック Light"/>
+        <a:font script="Hang" typeface="맑은 고딕"/>
+        <a:font script="Hans" typeface="等线 Light"/>
+        <a:font script="Hant" typeface="新細明體"/>
+        <a:font script="Arab" typeface="Times New Roman"/>
+        <a:font script="Hebr" typeface="Times New Roman"/>
+        <a:font script="Thai" typeface="Angsana New"/>
+        <a:font script="Ethi" typeface="Nyala"/>
+        <a:font script="Beng" typeface="Vrinda"/>
+        <a:font script="Gujr" typeface="Shruti"/>
+        <a:font script="Khmr" typeface="MoolBoran"/>
+        <a:font script="Knda" typeface="Tunga"/>
+        <a:font script="Guru" typeface="Raavi"/>
+        <a:font script="Cans" typeface="Euphemia"/>
+        <a:font script="Cher" typeface="Plantagenet Cherokee"/>
+        <a:font script="Yiii" typeface="Microsoft Yi Baiti"/>
+        <a:font script="Tibt" typeface="Microsoft Himalaya"/>
+        <a:font script="Thaa" typeface="MV Boli"/>
+        <a:font script="Deva" typeface="Mangal"/>
+        <a:font script="Telu" typeface="Gautami"/>
+        <a:font script="Taml" typeface="Latha"/>
+        <a:font script="Syrc" typeface="Estrangelo Edessa"/>
+        <a:font script="Orya" typeface="Kalinga"/>
+        <a:font script="Mlym" typeface="Kartika"/>
+        <a:font script="Laoo" typeface="DokChampa"/>
+        <a:font script="Sinh" typeface="Iskoola Pota"/>
+        <a:font script="Mong" typeface="Mongolian Baiti"/>
+        <a:font script="Viet" typeface="Times New Roman"/>
+        <a:font script="Uigh" typeface="Microsoft Uighur"/>
+        <a:font script="Geor" typeface="Sylfaen"/>
+        <a:font script="Armn" typeface="Arial"/>
+        <a:font script="Bugi" typeface="Leelawadee UI"/>
+        <a:font script="Bopo" typeface="Microsoft JhengHei"/>
+        <a:font script="Java" typeface="Javanese Text"/>
+        <a:font script="Lisu" typeface="Segoe UI"/>
+        <a:font script="Mymr" typeface="Myanmar Text"/>
+        <a:font script="Nkoo" typeface="Ebrima"/>
+        <a:font script="Olck" typeface="Nirmala UI"/>
+        <a:font script="Osma" typeface="Ebrima"/>
+        <a:font script="Phag" typeface="Phagspa"/>
+        <a:font script="Syrn" typeface="Estrangelo Edessa"/>
+        <a:font script="Syrj" typeface="Estrangelo Edessa"/>
+        <a:font script="Syre" typeface="Estrangelo Edessa"/>
+        <a:font script="Sora" typeface="Nirmala UI"/>
+        <a:font script="Tale" typeface="Microsoft Tai Le"/>
+        <a:font script="Talu" typeface="Microsoft New Tai Lue"/>
+        <a:font script="Tfng" typeface="Ebrima"/>
+      </a:majorFont>
+      <a:minorFont>
+        <a:latin typeface="Calibri" panose="020F0502020204030204"/>
+        <a:ea typeface=""/>
+        <a:cs typeface=""/>
+        <a:font script="Jpan" typeface="游ゴシック"/>
+        <a:font script="Hang" typeface="맑은 고딕"/>
+        <a:font script="Hans" typeface="等线"/>
+        <a:font script="Hant" typeface="新細明體"/>
+        <a:font script="Arab" typeface="Arial"/>
+        <a:font script="Hebr" typeface="Arial"/>
+        <a:font script="Thai" typeface="Cordia New"/>
+        <a:font script="Ethi" typeface="Nyala"/>
+        <a:font script="Beng" typeface="Vrinda"/>
+        <a:font script="Gujr" typeface="Shruti"/>
+        <a:font script="Khmr" typeface="DaunPenh"/>
+        <a:font script="Knda" typeface="Tunga"/>
+        <a:font script="Guru" typeface="Raavi"/>
+        <a:font script="Cans" typeface="Euphemia"/>
+        <a:font script="Cher" typeface="Plantagenet Cherokee"/>
+        <a:font script="Yiii" typeface="Microsoft Yi Baiti"/>
+        <a:font script="Tibt" typeface="Microsoft Himalaya"/>
+        <a:font script="Thaa" typeface="MV Boli"/>
+        <a:font script="Deva" typeface="Mangal"/>
+        <a:font script="Telu" typeface="Gautami"/>
+        <a:font script="Taml" typeface="Latha"/>
+        <a:font script="Syrc" typeface="Estrangelo Edessa"/>
+        <a:font script="Orya" typeface="Kalinga"/>
+        <a:font script="Mlym" typeface="Kartika"/>
+        <a:font script="Laoo" typeface="DokChampa"/>
+        <a:font script="Sinh" typeface="Iskoola Pota"/>
+        <a:font script="Mong" typeface="Mongolian Baiti"/>
+        <a:font script="Viet" typeface="Arial"/>
+        <a:font script="Uigh" typeface="Microsoft Uighur"/>
+        <a:font script="Geor" typeface="Sylfaen"/>
+        <a:font script="Armn" typeface="Arial"/>
+        <a:font script="Bugi" typeface="Leelawadee UI"/>
+        <a:font script="Bopo" typeface="Microsoft JhengHei"/>
+        <a:font script="Java" typeface="Javanese Text"/>
+        <a:font script="Lisu" typeface="Segoe UI"/>
+        <a:font script="Mymr" typeface="Myanmar Text"/>
+        <a:font script="Nkoo" typeface="Ebrima"/>
+        <a:font script="Olck" typeface="Nirmala UI"/>
+        <a:font script="Osma" typeface="Ebrima"/>
+        <a:font script="Phag" typeface="Phagspa"/>
+        <a:font script="Syrn" typeface="Estrangelo Edessa"/>
+        <a:font script="Syrj" typeface="Estrangelo Edessa"/>
+        <a:font script="Syre" typeface="Estrangelo Edessa"/>
+        <a:font script="Sora" typeface="Nirmala UI"/>
+        <a:font script="Tale" typeface="Microsoft Tai Le"/>
+        <a:font script="Talu" typeface="Microsoft New Tai Lue"/>
+        <a:font script="Tfng" typeface="Ebrima"/>
+      </a:minorFont>
+    </a:fontScheme>
+    <a:fmtScheme name="Office">
+      <a:fillStyleLst>
+        <a:solidFill>
+          <a:schemeClr val="phClr"/>
+        </a:solidFill>
+        <a:gradFill rotWithShape="1">
+          <a:gsLst>
+            <a:gs pos="0">
+              <a:schemeClr val="phClr">
+                <a:lumMod val="110000"/>
+                <a:satMod val="105000"/>
+                <a:tint val="67000"/>
+              </a:schemeClr>
+            </a:gs>
+            <a:gs pos="50000">
+              <a:schemeClr val="phClr">
+                <a:lumMod val="105000"/>
+                <a:satMod val="103000"/>
+                <a:tint val="73000"/>
+              </a:schemeClr>
+            </a:gs>
+            <a:gs pos="100000">
+              <a:schemeClr val="phClr">
+                <a:lumMod val="105000"/>
+                <a:satMod val="109000"/>
+                <a:tint val="81000"/>
+              </a:schemeClr>
+            </a:gs>
+          </a:gsLst>
+          <a:lin ang="5400000" scaled="0"/>
+        </a:gradFill>
+        <a:gradFill rotWithShape="1">
+          <a:gsLst>
+            <a:gs pos="0">
+              <a:schemeClr val="phClr">
+                <a:satMod val="103000"/>
+                <a:lumMod val="102000"/>
+                <a:tint val="94000"/>
+              </a:schemeClr>
+            </a:gs>
+            <a:gs pos="50000">
+              <a:schemeClr val="phClr">
+                <a:satMod val="110000"/>
+                <a:lumMod val="100000"/>
+                <a:shade val="100000"/>
+              </a:schemeClr>
+            </a:gs>
+            <a:gs pos="100000">
+              <a:schemeClr val="phClr">
+                <a:lumMod val="99000"/>
+                <a:satMod val="120000"/>
+                <a:shade val="78000"/>
+              </a:schemeClr>
+            </a:gs>
+          </a:gsLst>
+          <a:lin ang="5400000" scaled="0"/>
+        </a:gradFill>
+      </a:fillStyleLst>
+      <a:lnStyleLst>
+        <a:ln w="6350" cap="flat" cmpd="sng" algn="ctr">
+          <a:solidFill>
+            <a:schemeClr val="phClr"/>
+          </a:solidFill>
+          <a:prstDash val="solid"/>
+          <a:miter lim="800000"/>
+        </a:ln>
+        <a:ln w="12700" cap="flat" cmpd="sng" algn="ctr">
+          <a:solidFill>
+            <a:schemeClr val="phClr"/>
+          </a:solidFill>
+          <a:prstDash val="solid"/>
+          <a:miter lim="800000"/>
+        </a:ln>
+        <a:ln w="19050" cap="flat" cmpd="sng" algn="ctr">
+          <a:solidFill>
+            <a:schemeClr val="phClr"/>
+          </a:solidFill>
+          <a:prstDash val="solid"/>
+          <a:miter lim="800000"/>
+        </a:ln>
+      </a:lnStyleLst>
+      <a:effectStyleLst>
+        <a:effectStyle>
+          <a:effectLst/>
+        </a:effectStyle>
+        <a:effectStyle>
+          <a:effectLst/>
+        </a:effectStyle>
+        <a:effectStyle>
+          <a:effectLst>
+            <a:outerShdw blurRad="57150" dist="19050" dir="5400000" algn="ctr" rotWithShape="0">
+              <a:srgbClr val="000000">
+                <a:alpha val="63000"/>
+              </a:srgbClr>
+            </a:outerShdw>
+          </a:effectLst>
+        </a:effectStyle>
+      </a:effectStyleLst>
+      <a:bgFillStyleLst>
+        <a:solidFill>
+          <a:schemeClr val="phClr"/>
+        </a:solidFill>
+        <a:solidFill>
+          <a:schemeClr val="phClr">
+            <a:tint val="95000"/>
+            <a:satMod val="170000"/>
+          </a:schemeClr>
+        </a:solidFill>
+        <a:gradFill rotWithShape="1">
+          <a:gsLst>
+            <a:gs pos="0">
+              <a:schemeClr val="phClr">
+                <a:tint val="93000"/>
+                <a:satMod val="150000"/>
+                <a:shade val="98000"/>
+                <a:lumMod val="102000"/>
+              </a:schemeClr>
+            </a:gs>
+            <a:gs pos="50000">
+              <a:schemeClr val="phClr">
+                <a:tint val="98000"/>
+                <a:satMod val="130000"/>
+                <a:shade val="90000"/>
+                <a:lumMod val="103000"/>
+              </a:schemeClr>
+            </a:gs>
+            <a:gs pos="100000">
+              <a:schemeClr val="phClr">
+                <a:shade val="63000"/>
+                <a:satMod val="120000"/>
+              </a:schemeClr>
+            </a:gs>
+          </a:gsLst>
+          <a:lin ang="5400000" scaled="0"/>
+        </a:gradFill>
+      </a:bgFillStyleLst>
+    </a:fmtScheme>
+  </a:themeElements>
+  <a:objectDefaults/>
+  <a:extraClrSchemeLst/>
+  <a:extLst>
+    <a:ext uri="{05A4C25C-085E-4340-85A3-A5531E510DB2}">
+      <thm15:themeFamily xmlns:thm15="http://schemas.microsoft.com/office/thememl/2012/main" name="Office Theme" id="{62F939B6-93AF-4DB8-9C6B-D6C7DFDC589F}" vid="{4A3C46E8-61CC-4603-A589-7422A47A8E4A}"/>
+    </a:ext>
+  </a:extLst>
+</a:theme>
 </file>